--- a/final/documentation/FinalCDRPresentation.pptx
+++ b/final/documentation/FinalCDRPresentation.pptx
@@ -17,22 +17,24 @@
     <p:sldId id="266" r:id="rId11"/>
     <p:sldId id="267" r:id="rId12"/>
     <p:sldId id="291" r:id="rId13"/>
-    <p:sldId id="269" r:id="rId14"/>
-    <p:sldId id="283" r:id="rId15"/>
-    <p:sldId id="288" r:id="rId16"/>
-    <p:sldId id="271" r:id="rId17"/>
-    <p:sldId id="289" r:id="rId18"/>
-    <p:sldId id="273" r:id="rId19"/>
-    <p:sldId id="274" r:id="rId20"/>
-    <p:sldId id="275" r:id="rId21"/>
-    <p:sldId id="282" r:id="rId22"/>
-    <p:sldId id="277" r:id="rId23"/>
-    <p:sldId id="278" r:id="rId24"/>
-    <p:sldId id="279" r:id="rId25"/>
-    <p:sldId id="280" r:id="rId26"/>
-    <p:sldId id="281" r:id="rId27"/>
-    <p:sldId id="284" r:id="rId28"/>
-    <p:sldId id="285" r:id="rId29"/>
+    <p:sldId id="282" r:id="rId14"/>
+    <p:sldId id="294" r:id="rId15"/>
+    <p:sldId id="283" r:id="rId16"/>
+    <p:sldId id="293" r:id="rId17"/>
+    <p:sldId id="288" r:id="rId18"/>
+    <p:sldId id="271" r:id="rId19"/>
+    <p:sldId id="289" r:id="rId20"/>
+    <p:sldId id="273" r:id="rId21"/>
+    <p:sldId id="274" r:id="rId22"/>
+    <p:sldId id="275" r:id="rId23"/>
+    <p:sldId id="292" r:id="rId24"/>
+    <p:sldId id="277" r:id="rId25"/>
+    <p:sldId id="278" r:id="rId26"/>
+    <p:sldId id="279" r:id="rId27"/>
+    <p:sldId id="280" r:id="rId28"/>
+    <p:sldId id="281" r:id="rId29"/>
+    <p:sldId id="284" r:id="rId30"/>
+    <p:sldId id="285" r:id="rId31"/>
   </p:sldIdLst>
   <p:sldSz cx="12192000" cy="6858000"/>
   <p:notesSz cx="6858000" cy="9144000"/>
@@ -131,6 +133,11 @@
       </a:defRPr>
     </a:lvl9pPr>
   </p:defaultTextStyle>
+  <p:extLst>
+    <p:ext uri="{EFAFB233-063F-42B5-8137-9DF3F51BA10A}">
+      <p15:sldGuideLst xmlns:p15="http://schemas.microsoft.com/office/powerpoint/2012/main"/>
+    </p:ext>
+  </p:extLst>
 </p:presentation>
 </file>
 
@@ -347,7 +354,7 @@
           <a:p>
             <a:fld id="{CEFFFC5E-2E76-4A89-B558-AA7D21B71948}" type="datetimeFigureOut">
               <a:rPr lang="en-US" smtClean="0"/>
-              <a:t>11/16/2015</a:t>
+              <a:t>11/18/2015</a:t>
             </a:fld>
             <a:endParaRPr lang="en-US"/>
           </a:p>
@@ -405,11 +412,11 @@
   <p:clrMapOvr>
     <a:masterClrMapping/>
   </p:clrMapOvr>
-  <mc:AlternateContent xmlns:mc="http://schemas.openxmlformats.org/markup-compatibility/2006">
-    <mc:Choice xmlns:p14="http://schemas.microsoft.com/office/powerpoint/2010/main" Requires="p14">
+  <mc:AlternateContent xmlns:mc="http://schemas.openxmlformats.org/markup-compatibility/2006" xmlns:p14="http://schemas.microsoft.com/office/powerpoint/2010/main">
+    <mc:Choice Requires="p14">
       <p:transition p14:dur="0"/>
     </mc:Choice>
-    <mc:Fallback>
+    <mc:Fallback xmlns="">
       <p:transition/>
     </mc:Fallback>
   </mc:AlternateContent>
@@ -651,7 +658,7 @@
           <a:p>
             <a:fld id="{CEFFFC5E-2E76-4A89-B558-AA7D21B71948}" type="datetimeFigureOut">
               <a:rPr lang="en-US" smtClean="0"/>
-              <a:t>11/16/2015</a:t>
+              <a:t>11/18/2015</a:t>
             </a:fld>
             <a:endParaRPr lang="en-US"/>
           </a:p>
@@ -709,11 +716,11 @@
   <p:clrMapOvr>
     <a:masterClrMapping/>
   </p:clrMapOvr>
-  <mc:AlternateContent xmlns:mc="http://schemas.openxmlformats.org/markup-compatibility/2006">
-    <mc:Choice xmlns:p14="http://schemas.microsoft.com/office/powerpoint/2010/main" Requires="p14">
+  <mc:AlternateContent xmlns:mc="http://schemas.openxmlformats.org/markup-compatibility/2006" xmlns:p14="http://schemas.microsoft.com/office/powerpoint/2010/main">
+    <mc:Choice Requires="p14">
       <p:transition p14:dur="0"/>
     </mc:Choice>
-    <mc:Fallback>
+    <mc:Fallback xmlns="">
       <p:transition/>
     </mc:Fallback>
   </mc:AlternateContent>
@@ -918,7 +925,7 @@
           <a:p>
             <a:fld id="{CEFFFC5E-2E76-4A89-B558-AA7D21B71948}" type="datetimeFigureOut">
               <a:rPr lang="en-US" smtClean="0"/>
-              <a:t>11/16/2015</a:t>
+              <a:t>11/18/2015</a:t>
             </a:fld>
             <a:endParaRPr lang="en-US"/>
           </a:p>
@@ -976,11 +983,11 @@
   <p:clrMapOvr>
     <a:masterClrMapping/>
   </p:clrMapOvr>
-  <mc:AlternateContent xmlns:mc="http://schemas.openxmlformats.org/markup-compatibility/2006">
-    <mc:Choice xmlns:p14="http://schemas.microsoft.com/office/powerpoint/2010/main" Requires="p14">
+  <mc:AlternateContent xmlns:mc="http://schemas.openxmlformats.org/markup-compatibility/2006" xmlns:p14="http://schemas.microsoft.com/office/powerpoint/2010/main">
+    <mc:Choice Requires="p14">
       <p:transition p14:dur="0"/>
     </mc:Choice>
-    <mc:Fallback>
+    <mc:Fallback xmlns="">
       <p:transition/>
     </mc:Fallback>
   </mc:AlternateContent>
@@ -1395,7 +1402,7 @@
           <a:p>
             <a:fld id="{CEFFFC5E-2E76-4A89-B558-AA7D21B71948}" type="datetimeFigureOut">
               <a:rPr lang="en-US" smtClean="0"/>
-              <a:t>11/16/2015</a:t>
+              <a:t>11/18/2015</a:t>
             </a:fld>
             <a:endParaRPr lang="en-US"/>
           </a:p>
@@ -1453,11 +1460,11 @@
   <p:clrMapOvr>
     <a:masterClrMapping/>
   </p:clrMapOvr>
-  <mc:AlternateContent xmlns:mc="http://schemas.openxmlformats.org/markup-compatibility/2006">
-    <mc:Choice xmlns:p14="http://schemas.microsoft.com/office/powerpoint/2010/main" Requires="p14">
+  <mc:AlternateContent xmlns:mc="http://schemas.openxmlformats.org/markup-compatibility/2006" xmlns:p14="http://schemas.microsoft.com/office/powerpoint/2010/main">
+    <mc:Choice Requires="p14">
       <p:transition p14:dur="0"/>
     </mc:Choice>
-    <mc:Fallback>
+    <mc:Fallback xmlns="">
       <p:transition/>
     </mc:Fallback>
   </mc:AlternateContent>
@@ -1583,7 +1590,7 @@
           <a:p>
             <a:fld id="{CEFFFC5E-2E76-4A89-B558-AA7D21B71948}" type="datetimeFigureOut">
               <a:rPr lang="en-US" smtClean="0"/>
-              <a:t>11/16/2015</a:t>
+              <a:t>11/18/2015</a:t>
             </a:fld>
             <a:endParaRPr lang="en-US"/>
           </a:p>
@@ -1641,11 +1648,11 @@
   <p:clrMapOvr>
     <a:masterClrMapping/>
   </p:clrMapOvr>
-  <mc:AlternateContent xmlns:mc="http://schemas.openxmlformats.org/markup-compatibility/2006">
-    <mc:Choice xmlns:p14="http://schemas.microsoft.com/office/powerpoint/2010/main" Requires="p14">
+  <mc:AlternateContent xmlns:mc="http://schemas.openxmlformats.org/markup-compatibility/2006" xmlns:p14="http://schemas.microsoft.com/office/powerpoint/2010/main">
+    <mc:Choice Requires="p14">
       <p:transition p14:dur="0"/>
     </mc:Choice>
-    <mc:Fallback>
+    <mc:Fallback xmlns="">
       <p:transition/>
     </mc:Fallback>
   </mc:AlternateContent>
@@ -2167,7 +2174,7 @@
           <a:p>
             <a:fld id="{CEFFFC5E-2E76-4A89-B558-AA7D21B71948}" type="datetimeFigureOut">
               <a:rPr lang="en-US" smtClean="0"/>
-              <a:t>11/16/2015</a:t>
+              <a:t>11/18/2015</a:t>
             </a:fld>
             <a:endParaRPr lang="en-US"/>
           </a:p>
@@ -2225,11 +2232,11 @@
   <p:clrMapOvr>
     <a:masterClrMapping/>
   </p:clrMapOvr>
-  <mc:AlternateContent xmlns:mc="http://schemas.openxmlformats.org/markup-compatibility/2006">
-    <mc:Choice xmlns:p14="http://schemas.microsoft.com/office/powerpoint/2010/main" Requires="p14">
+  <mc:AlternateContent xmlns:mc="http://schemas.openxmlformats.org/markup-compatibility/2006" xmlns:p14="http://schemas.microsoft.com/office/powerpoint/2010/main">
+    <mc:Choice Requires="p14">
       <p:transition p14:dur="0"/>
     </mc:Choice>
-    <mc:Fallback>
+    <mc:Fallback xmlns="">
       <p:transition/>
     </mc:Fallback>
   </mc:AlternateContent>
@@ -2507,7 +2514,7 @@
           <a:p>
             <a:fld id="{CEFFFC5E-2E76-4A89-B558-AA7D21B71948}" type="datetimeFigureOut">
               <a:rPr lang="en-US" smtClean="0"/>
-              <a:t>11/16/2015</a:t>
+              <a:t>11/18/2015</a:t>
             </a:fld>
             <a:endParaRPr lang="en-US"/>
           </a:p>
@@ -2565,11 +2572,11 @@
   <p:clrMapOvr>
     <a:masterClrMapping/>
   </p:clrMapOvr>
-  <mc:AlternateContent xmlns:mc="http://schemas.openxmlformats.org/markup-compatibility/2006">
-    <mc:Choice xmlns:p14="http://schemas.microsoft.com/office/powerpoint/2010/main" Requires="p14">
+  <mc:AlternateContent xmlns:mc="http://schemas.openxmlformats.org/markup-compatibility/2006" xmlns:p14="http://schemas.microsoft.com/office/powerpoint/2010/main">
+    <mc:Choice Requires="p14">
       <p:transition p14:dur="0"/>
     </mc:Choice>
-    <mc:Fallback>
+    <mc:Fallback xmlns="">
       <p:transition/>
     </mc:Fallback>
   </mc:AlternateContent>
@@ -2690,7 +2697,7 @@
           <a:p>
             <a:fld id="{CEFFFC5E-2E76-4A89-B558-AA7D21B71948}" type="datetimeFigureOut">
               <a:rPr lang="en-US" smtClean="0"/>
-              <a:t>11/16/2015</a:t>
+              <a:t>11/18/2015</a:t>
             </a:fld>
             <a:endParaRPr lang="en-US"/>
           </a:p>
@@ -2748,11 +2755,11 @@
   <p:clrMapOvr>
     <a:masterClrMapping/>
   </p:clrMapOvr>
-  <mc:AlternateContent xmlns:mc="http://schemas.openxmlformats.org/markup-compatibility/2006">
-    <mc:Choice xmlns:p14="http://schemas.microsoft.com/office/powerpoint/2010/main" Requires="p14">
+  <mc:AlternateContent xmlns:mc="http://schemas.openxmlformats.org/markup-compatibility/2006" xmlns:p14="http://schemas.microsoft.com/office/powerpoint/2010/main">
+    <mc:Choice Requires="p14">
       <p:transition p14:dur="0"/>
     </mc:Choice>
-    <mc:Fallback>
+    <mc:Fallback xmlns="">
       <p:transition/>
     </mc:Fallback>
   </mc:AlternateContent>
@@ -2878,7 +2885,7 @@
           <a:p>
             <a:fld id="{CEFFFC5E-2E76-4A89-B558-AA7D21B71948}" type="datetimeFigureOut">
               <a:rPr lang="en-US" smtClean="0"/>
-              <a:t>11/16/2015</a:t>
+              <a:t>11/18/2015</a:t>
             </a:fld>
             <a:endParaRPr lang="en-US"/>
           </a:p>
@@ -2936,11 +2943,11 @@
   <p:clrMapOvr>
     <a:masterClrMapping/>
   </p:clrMapOvr>
-  <mc:AlternateContent xmlns:mc="http://schemas.openxmlformats.org/markup-compatibility/2006">
-    <mc:Choice xmlns:p14="http://schemas.microsoft.com/office/powerpoint/2010/main" Requires="p14">
+  <mc:AlternateContent xmlns:mc="http://schemas.openxmlformats.org/markup-compatibility/2006" xmlns:p14="http://schemas.microsoft.com/office/powerpoint/2010/main">
+    <mc:Choice Requires="p14">
       <p:transition p14:dur="0"/>
     </mc:Choice>
-    <mc:Fallback>
+    <mc:Fallback xmlns="">
       <p:transition/>
     </mc:Fallback>
   </mc:AlternateContent>
@@ -3061,7 +3068,7 @@
           <a:p>
             <a:fld id="{CEFFFC5E-2E76-4A89-B558-AA7D21B71948}" type="datetimeFigureOut">
               <a:rPr lang="en-US" smtClean="0"/>
-              <a:t>11/16/2015</a:t>
+              <a:t>11/18/2015</a:t>
             </a:fld>
             <a:endParaRPr lang="en-US"/>
           </a:p>
@@ -3119,11 +3126,11 @@
   <p:clrMapOvr>
     <a:masterClrMapping/>
   </p:clrMapOvr>
-  <mc:AlternateContent xmlns:mc="http://schemas.openxmlformats.org/markup-compatibility/2006">
-    <mc:Choice xmlns:p14="http://schemas.microsoft.com/office/powerpoint/2010/main" Requires="p14">
+  <mc:AlternateContent xmlns:mc="http://schemas.openxmlformats.org/markup-compatibility/2006" xmlns:p14="http://schemas.microsoft.com/office/powerpoint/2010/main">
+    <mc:Choice Requires="p14">
       <p:transition p14:dur="0"/>
     </mc:Choice>
-    <mc:Fallback>
+    <mc:Fallback xmlns="">
       <p:transition/>
     </mc:Fallback>
   </mc:AlternateContent>
@@ -3326,7 +3333,7 @@
           <a:p>
             <a:fld id="{CEFFFC5E-2E76-4A89-B558-AA7D21B71948}" type="datetimeFigureOut">
               <a:rPr lang="en-US" smtClean="0"/>
-              <a:t>11/16/2015</a:t>
+              <a:t>11/18/2015</a:t>
             </a:fld>
             <a:endParaRPr lang="en-US"/>
           </a:p>
@@ -3384,11 +3391,11 @@
   <p:clrMapOvr>
     <a:masterClrMapping/>
   </p:clrMapOvr>
-  <mc:AlternateContent xmlns:mc="http://schemas.openxmlformats.org/markup-compatibility/2006">
-    <mc:Choice xmlns:p14="http://schemas.microsoft.com/office/powerpoint/2010/main" Requires="p14">
+  <mc:AlternateContent xmlns:mc="http://schemas.openxmlformats.org/markup-compatibility/2006" xmlns:p14="http://schemas.microsoft.com/office/powerpoint/2010/main">
+    <mc:Choice Requires="p14">
       <p:transition p14:dur="0"/>
     </mc:Choice>
-    <mc:Fallback>
+    <mc:Fallback xmlns="">
       <p:transition/>
     </mc:Fallback>
   </mc:AlternateContent>
@@ -3631,7 +3638,7 @@
           <a:p>
             <a:fld id="{CEFFFC5E-2E76-4A89-B558-AA7D21B71948}" type="datetimeFigureOut">
               <a:rPr lang="en-US" smtClean="0"/>
-              <a:t>11/16/2015</a:t>
+              <a:t>11/18/2015</a:t>
             </a:fld>
             <a:endParaRPr lang="en-US"/>
           </a:p>
@@ -3689,11 +3696,11 @@
   <p:clrMapOvr>
     <a:masterClrMapping/>
   </p:clrMapOvr>
-  <mc:AlternateContent xmlns:mc="http://schemas.openxmlformats.org/markup-compatibility/2006">
-    <mc:Choice xmlns:p14="http://schemas.microsoft.com/office/powerpoint/2010/main" Requires="p14">
+  <mc:AlternateContent xmlns:mc="http://schemas.openxmlformats.org/markup-compatibility/2006" xmlns:p14="http://schemas.microsoft.com/office/powerpoint/2010/main">
+    <mc:Choice Requires="p14">
       <p:transition p14:dur="0"/>
     </mc:Choice>
-    <mc:Fallback>
+    <mc:Fallback xmlns="">
       <p:transition/>
     </mc:Fallback>
   </mc:AlternateContent>
@@ -4069,7 +4076,7 @@
           <a:p>
             <a:fld id="{CEFFFC5E-2E76-4A89-B558-AA7D21B71948}" type="datetimeFigureOut">
               <a:rPr lang="en-US" smtClean="0"/>
-              <a:t>11/16/2015</a:t>
+              <a:t>11/18/2015</a:t>
             </a:fld>
             <a:endParaRPr lang="en-US"/>
           </a:p>
@@ -4127,11 +4134,11 @@
   <p:clrMapOvr>
     <a:masterClrMapping/>
   </p:clrMapOvr>
-  <mc:AlternateContent xmlns:mc="http://schemas.openxmlformats.org/markup-compatibility/2006">
-    <mc:Choice xmlns:p14="http://schemas.microsoft.com/office/powerpoint/2010/main" Requires="p14">
+  <mc:AlternateContent xmlns:mc="http://schemas.openxmlformats.org/markup-compatibility/2006" xmlns:p14="http://schemas.microsoft.com/office/powerpoint/2010/main">
+    <mc:Choice Requires="p14">
       <p:transition p14:dur="0"/>
     </mc:Choice>
-    <mc:Fallback>
+    <mc:Fallback xmlns="">
       <p:transition/>
     </mc:Fallback>
   </mc:AlternateContent>
@@ -4195,7 +4202,7 @@
           <a:p>
             <a:fld id="{CEFFFC5E-2E76-4A89-B558-AA7D21B71948}" type="datetimeFigureOut">
               <a:rPr lang="en-US" smtClean="0"/>
-              <a:t>11/16/2015</a:t>
+              <a:t>11/18/2015</a:t>
             </a:fld>
             <a:endParaRPr lang="en-US"/>
           </a:p>
@@ -4253,11 +4260,11 @@
   <p:clrMapOvr>
     <a:masterClrMapping/>
   </p:clrMapOvr>
-  <mc:AlternateContent xmlns:mc="http://schemas.openxmlformats.org/markup-compatibility/2006">
-    <mc:Choice xmlns:p14="http://schemas.microsoft.com/office/powerpoint/2010/main" Requires="p14">
+  <mc:AlternateContent xmlns:mc="http://schemas.openxmlformats.org/markup-compatibility/2006" xmlns:p14="http://schemas.microsoft.com/office/powerpoint/2010/main">
+    <mc:Choice Requires="p14">
       <p:transition p14:dur="0"/>
     </mc:Choice>
-    <mc:Fallback>
+    <mc:Fallback xmlns="">
       <p:transition/>
     </mc:Fallback>
   </mc:AlternateContent>
@@ -4298,7 +4305,7 @@
           <a:p>
             <a:fld id="{CEFFFC5E-2E76-4A89-B558-AA7D21B71948}" type="datetimeFigureOut">
               <a:rPr lang="en-US" smtClean="0"/>
-              <a:t>11/16/2015</a:t>
+              <a:t>11/18/2015</a:t>
             </a:fld>
             <a:endParaRPr lang="en-US"/>
           </a:p>
@@ -4356,11 +4363,11 @@
   <p:clrMapOvr>
     <a:masterClrMapping/>
   </p:clrMapOvr>
-  <mc:AlternateContent xmlns:mc="http://schemas.openxmlformats.org/markup-compatibility/2006">
-    <mc:Choice xmlns:p14="http://schemas.microsoft.com/office/powerpoint/2010/main" Requires="p14">
+  <mc:AlternateContent xmlns:mc="http://schemas.openxmlformats.org/markup-compatibility/2006" xmlns:p14="http://schemas.microsoft.com/office/powerpoint/2010/main">
+    <mc:Choice Requires="p14">
       <p:transition p14:dur="0"/>
     </mc:Choice>
-    <mc:Fallback>
+    <mc:Fallback xmlns="">
       <p:transition/>
     </mc:Fallback>
   </mc:AlternateContent>
@@ -4589,7 +4596,7 @@
           <a:p>
             <a:fld id="{CEFFFC5E-2E76-4A89-B558-AA7D21B71948}" type="datetimeFigureOut">
               <a:rPr lang="en-US" smtClean="0"/>
-              <a:t>11/16/2015</a:t>
+              <a:t>11/18/2015</a:t>
             </a:fld>
             <a:endParaRPr lang="en-US"/>
           </a:p>
@@ -4647,11 +4654,11 @@
   <p:clrMapOvr>
     <a:masterClrMapping/>
   </p:clrMapOvr>
-  <mc:AlternateContent xmlns:mc="http://schemas.openxmlformats.org/markup-compatibility/2006">
-    <mc:Choice xmlns:p14="http://schemas.microsoft.com/office/powerpoint/2010/main" Requires="p14">
+  <mc:AlternateContent xmlns:mc="http://schemas.openxmlformats.org/markup-compatibility/2006" xmlns:p14="http://schemas.microsoft.com/office/powerpoint/2010/main">
+    <mc:Choice Requires="p14">
       <p:transition p14:dur="0"/>
     </mc:Choice>
-    <mc:Fallback>
+    <mc:Fallback xmlns="">
       <p:transition/>
     </mc:Fallback>
   </mc:AlternateContent>
@@ -4888,7 +4895,7 @@
           <a:p>
             <a:fld id="{CEFFFC5E-2E76-4A89-B558-AA7D21B71948}" type="datetimeFigureOut">
               <a:rPr lang="en-US" smtClean="0"/>
-              <a:t>11/16/2015</a:t>
+              <a:t>11/18/2015</a:t>
             </a:fld>
             <a:endParaRPr lang="en-US"/>
           </a:p>
@@ -4956,11 +4963,11 @@
   <p:clrMapOvr>
     <a:masterClrMapping/>
   </p:clrMapOvr>
-  <mc:AlternateContent xmlns:mc="http://schemas.openxmlformats.org/markup-compatibility/2006">
-    <mc:Choice xmlns:p14="http://schemas.microsoft.com/office/powerpoint/2010/main" Requires="p14">
+  <mc:AlternateContent xmlns:mc="http://schemas.openxmlformats.org/markup-compatibility/2006" xmlns:p14="http://schemas.microsoft.com/office/powerpoint/2010/main">
+    <mc:Choice Requires="p14">
       <p:transition p14:dur="0"/>
     </mc:Choice>
-    <mc:Fallback>
+    <mc:Fallback xmlns="">
       <p:transition/>
     </mc:Fallback>
   </mc:AlternateContent>
@@ -5127,7 +5134,7 @@
           <a:p>
             <a:fld id="{CEFFFC5E-2E76-4A89-B558-AA7D21B71948}" type="datetimeFigureOut">
               <a:rPr lang="en-US" smtClean="0"/>
-              <a:t>11/16/2015</a:t>
+              <a:t>11/18/2015</a:t>
             </a:fld>
             <a:endParaRPr lang="en-US"/>
           </a:p>
@@ -5254,11 +5261,11 @@
     <p:sldLayoutId id="2147483790" r:id="rId16"/>
     <p:sldLayoutId id="2147483791" r:id="rId17"/>
   </p:sldLayoutIdLst>
-  <mc:AlternateContent xmlns:mc="http://schemas.openxmlformats.org/markup-compatibility/2006">
-    <mc:Choice xmlns:p14="http://schemas.microsoft.com/office/powerpoint/2010/main" Requires="p14">
+  <mc:AlternateContent xmlns:mc="http://schemas.openxmlformats.org/markup-compatibility/2006" xmlns:p14="http://schemas.microsoft.com/office/powerpoint/2010/main">
+    <mc:Choice Requires="p14">
       <p:transition p14:dur="0"/>
     </mc:Choice>
-    <mc:Fallback>
+    <mc:Fallback xmlns="">
       <p:transition/>
     </mc:Fallback>
   </mc:AlternateContent>
@@ -6026,9 +6033,6 @@
               </a:rPr>
               <a:t>Francis</a:t>
             </a:r>
-            <a:endParaRPr lang="en-US" dirty="0">
-              <a:effectLst/>
-            </a:endParaRPr>
           </a:p>
           <a:p>
             <a:r>
@@ -6037,9 +6041,6 @@
               </a:rPr>
               <a:t>Jonathan Hawkins</a:t>
             </a:r>
-            <a:endParaRPr lang="en-US" dirty="0">
-              <a:effectLst/>
-            </a:endParaRPr>
           </a:p>
           <a:p>
             <a:r>
@@ -6116,11 +6117,11 @@
   <p:clrMapOvr>
     <a:masterClrMapping/>
   </p:clrMapOvr>
-  <mc:AlternateContent xmlns:mc="http://schemas.openxmlformats.org/markup-compatibility/2006">
-    <mc:Choice xmlns:p14="http://schemas.microsoft.com/office/powerpoint/2010/main" Requires="p14">
+  <mc:AlternateContent xmlns:mc="http://schemas.openxmlformats.org/markup-compatibility/2006" xmlns:p14="http://schemas.microsoft.com/office/powerpoint/2010/main">
+    <mc:Choice Requires="p14">
       <p:transition p14:dur="0"/>
     </mc:Choice>
-    <mc:Fallback>
+    <mc:Fallback xmlns="">
       <p:transition/>
     </mc:Fallback>
   </mc:AlternateContent>
@@ -6183,41 +6184,6 @@
                 <a:effectLst/>
               </a:rPr>
               <a:t>Approach: Software</a:t>
-            </a:r>
-            <a:endParaRPr lang="en-US" dirty="0"/>
-          </a:p>
-        </p:txBody>
-      </p:sp>
-      <p:sp>
-        <p:nvSpPr>
-          <p:cNvPr id="3" name="Content Placeholder 2"/>
-          <p:cNvSpPr>
-            <a:spLocks noGrp="1"/>
-          </p:cNvSpPr>
-          <p:nvPr>
-            <p:ph idx="1"/>
-          </p:nvPr>
-        </p:nvSpPr>
-        <p:spPr>
-          <a:xfrm>
-            <a:off x="541191" y="2207455"/>
-            <a:ext cx="10506220" cy="3629463"/>
-          </a:xfrm>
-        </p:spPr>
-        <p:txBody>
-          <a:bodyPr>
-            <a:normAutofit/>
-          </a:bodyPr>
-          <a:lstStyle/>
-          <a:p>
-            <a:pPr marL="0" indent="0" fontAlgn="base">
-              <a:buNone/>
-            </a:pPr>
-            <a:r>
-              <a:rPr lang="en-US" sz="4000" dirty="0" smtClean="0">
-                <a:effectLst/>
-              </a:rPr>
-              <a:t>BLOCK DIAGRAM***</a:t>
             </a:r>
             <a:endParaRPr lang="en-US" dirty="0"/>
           </a:p>
@@ -6261,6 +6227,30 @@
           </a:fontRef>
         </p:style>
       </p:cxnSp>
+      <p:pic>
+        <p:nvPicPr>
+          <p:cNvPr id="6" name="Picture 5"/>
+          <p:cNvPicPr>
+            <a:picLocks noChangeAspect="1"/>
+          </p:cNvPicPr>
+          <p:nvPr/>
+        </p:nvPicPr>
+        <p:blipFill>
+          <a:blip r:embed="rId2"/>
+          <a:stretch>
+            <a:fillRect/>
+          </a:stretch>
+        </p:blipFill>
+        <p:spPr>
+          <a:xfrm>
+            <a:off x="1849750" y="2309028"/>
+            <a:ext cx="7184923" cy="4233440"/>
+          </a:xfrm>
+          <a:prstGeom prst="rect">
+            <a:avLst/>
+          </a:prstGeom>
+        </p:spPr>
+      </p:pic>
     </p:spTree>
     <p:extLst>
       <p:ext uri="{BB962C8B-B14F-4D97-AF65-F5344CB8AC3E}">
@@ -6271,11 +6261,11 @@
   <p:clrMapOvr>
     <a:masterClrMapping/>
   </p:clrMapOvr>
-  <mc:AlternateContent xmlns:mc="http://schemas.openxmlformats.org/markup-compatibility/2006">
-    <mc:Choice xmlns:p14="http://schemas.microsoft.com/office/powerpoint/2010/main" Requires="p14">
+  <mc:AlternateContent xmlns:mc="http://schemas.openxmlformats.org/markup-compatibility/2006" xmlns:p14="http://schemas.microsoft.com/office/powerpoint/2010/main">
+    <mc:Choice Requires="p14">
       <p:transition p14:dur="0"/>
     </mc:Choice>
-    <mc:Fallback>
+    <mc:Fallback xmlns="">
       <p:transition/>
     </mc:Fallback>
   </mc:AlternateContent>
@@ -6412,11 +6402,11 @@
   <p:clrMapOvr>
     <a:masterClrMapping/>
   </p:clrMapOvr>
-  <mc:AlternateContent xmlns:mc="http://schemas.openxmlformats.org/markup-compatibility/2006">
-    <mc:Choice xmlns:p14="http://schemas.microsoft.com/office/powerpoint/2010/main" Requires="p14">
+  <mc:AlternateContent xmlns:mc="http://schemas.openxmlformats.org/markup-compatibility/2006" xmlns:p14="http://schemas.microsoft.com/office/powerpoint/2010/main">
+    <mc:Choice Requires="p14">
       <p:transition p14:dur="0"/>
     </mc:Choice>
-    <mc:Fallback>
+    <mc:Fallback xmlns="">
       <p:transition/>
     </mc:Fallback>
   </mc:AlternateContent>
@@ -6705,11 +6695,11 @@
   <p:clrMapOvr>
     <a:masterClrMapping/>
   </p:clrMapOvr>
-  <mc:AlternateContent xmlns:mc="http://schemas.openxmlformats.org/markup-compatibility/2006">
-    <mc:Choice xmlns:p14="http://schemas.microsoft.com/office/powerpoint/2010/main" Requires="p14">
+  <mc:AlternateContent xmlns:mc="http://schemas.openxmlformats.org/markup-compatibility/2006" xmlns:p14="http://schemas.microsoft.com/office/powerpoint/2010/main">
+    <mc:Choice Requires="p14">
       <p:transition p14:dur="0"/>
     </mc:Choice>
-    <mc:Fallback>
+    <mc:Fallback xmlns="">
       <p:transition/>
     </mc:Fallback>
   </mc:AlternateContent>
@@ -6771,7 +6761,7 @@
                 </a:gradFill>
                 <a:effectLst/>
               </a:rPr>
-              <a:t>Hardware: IR Sensors</a:t>
+              <a:t>Hardware: PIC Stand</a:t>
             </a:r>
             <a:endParaRPr lang="en-US" dirty="0"/>
           </a:p>
@@ -6785,8 +6775,8 @@
         </p:nvCxnSpPr>
         <p:spPr>
           <a:xfrm>
-            <a:off x="541191" y="2117187"/>
-            <a:ext cx="11010314" cy="0"/>
+            <a:off x="228600" y="2034540"/>
+            <a:ext cx="5605453" cy="0"/>
           </a:xfrm>
           <a:prstGeom prst="line">
             <a:avLst/>
@@ -6815,9 +6805,50 @@
           </a:fontRef>
         </p:style>
       </p:cxnSp>
-      <p:sp>
-        <p:nvSpPr>
-          <p:cNvPr id="5" name="Content Placeholder 2"/>
+      <p:pic>
+        <p:nvPicPr>
+          <p:cNvPr id="17410" name="Picture 2" descr="https://lh3.googleusercontent.com/U49dlCmDGMu9c2yyvhknE8FAa47PGBzNqn7BT4u3FfWJFU5zh53byCypqGRpQVaCDQl3f-1tUTrnipyUlTEi6T97OA8Eaf2FO7CZcOnikj3Hv5v5KjTzOXMc7l3QFH2tBej5kYTj3A"/>
+          <p:cNvPicPr>
+            <a:picLocks noChangeAspect="1" noChangeArrowheads="1"/>
+          </p:cNvPicPr>
+          <p:nvPr/>
+        </p:nvPicPr>
+        <p:blipFill>
+          <a:blip r:embed="rId2">
+            <a:extLst>
+              <a:ext uri="{28A0092B-C50C-407E-A947-70E740481C1C}">
+                <a14:useLocalDpi xmlns:a14="http://schemas.microsoft.com/office/drawing/2010/main" val="0"/>
+              </a:ext>
+            </a:extLst>
+          </a:blip>
+          <a:srcRect/>
+          <a:stretch>
+            <a:fillRect/>
+          </a:stretch>
+        </p:blipFill>
+        <p:spPr bwMode="auto">
+          <a:xfrm>
+            <a:off x="6026691" y="1379530"/>
+            <a:ext cx="5933533" cy="4960310"/>
+          </a:xfrm>
+          <a:prstGeom prst="rect">
+            <a:avLst/>
+          </a:prstGeom>
+          <a:noFill/>
+          <a:extLst>
+            <a:ext uri="{909E8E84-426E-40DD-AFC4-6F175D3DCCD1}">
+              <a14:hiddenFill xmlns:a14="http://schemas.microsoft.com/office/drawing/2010/main">
+                <a:solidFill>
+                  <a:srgbClr val="FFFFFF"/>
+                </a:solidFill>
+              </a14:hiddenFill>
+            </a:ext>
+          </a:extLst>
+        </p:spPr>
+      </p:pic>
+      <p:sp>
+        <p:nvSpPr>
+          <p:cNvPr id="9" name="Content Placeholder 2"/>
           <p:cNvSpPr>
             <a:spLocks noGrp="1"/>
           </p:cNvSpPr>
@@ -6827,8 +6858,255 @@
         </p:nvSpPr>
         <p:spPr>
           <a:xfrm>
-            <a:off x="541191" y="2207455"/>
-            <a:ext cx="10506220" cy="3629463"/>
+            <a:off x="228600" y="2331720"/>
+            <a:ext cx="5485500" cy="4526280"/>
+          </a:xfrm>
+        </p:spPr>
+        <p:txBody>
+          <a:bodyPr>
+            <a:normAutofit fontScale="77500" lnSpcReduction="20000"/>
+          </a:bodyPr>
+          <a:lstStyle/>
+          <a:p>
+            <a:pPr marL="0" indent="0" fontAlgn="base">
+              <a:buNone/>
+            </a:pPr>
+            <a:r>
+              <a:rPr lang="en-US" sz="4000" dirty="0" smtClean="0">
+                <a:effectLst/>
+              </a:rPr>
+              <a:t>3D printed holster for development board</a:t>
+            </a:r>
+          </a:p>
+          <a:p>
+            <a:pPr marL="0" indent="0" fontAlgn="base">
+              <a:buNone/>
+            </a:pPr>
+            <a:endParaRPr lang="en-US" sz="4000" dirty="0" smtClean="0">
+              <a:effectLst/>
+            </a:endParaRPr>
+          </a:p>
+          <a:p>
+            <a:pPr marL="0" indent="0" fontAlgn="base">
+              <a:buNone/>
+            </a:pPr>
+            <a:r>
+              <a:rPr lang="en-US" sz="4000" dirty="0">
+                <a:effectLst/>
+              </a:rPr>
+              <a:t>	</a:t>
+            </a:r>
+            <a:r>
+              <a:rPr lang="en-US" sz="4000" dirty="0" smtClean="0">
+                <a:effectLst/>
+              </a:rPr>
+              <a:t>&gt; stability of development 	board</a:t>
+            </a:r>
+          </a:p>
+          <a:p>
+            <a:pPr marL="0" indent="0" fontAlgn="base">
+              <a:buNone/>
+            </a:pPr>
+            <a:r>
+              <a:rPr lang="en-US" sz="4000" dirty="0">
+                <a:effectLst/>
+              </a:rPr>
+              <a:t>	</a:t>
+            </a:r>
+            <a:r>
+              <a:rPr lang="en-US" sz="4000" dirty="0" smtClean="0">
+                <a:effectLst/>
+              </a:rPr>
+              <a:t>&gt; easy peripheral 	attachment</a:t>
+            </a:r>
+          </a:p>
+          <a:p>
+            <a:pPr marL="0" indent="0" fontAlgn="base">
+              <a:buNone/>
+            </a:pPr>
+            <a:r>
+              <a:rPr lang="en-US" sz="4000" dirty="0">
+                <a:effectLst/>
+              </a:rPr>
+              <a:t>	</a:t>
+            </a:r>
+            <a:r>
+              <a:rPr lang="en-US" sz="4000" dirty="0" smtClean="0">
+                <a:effectLst/>
+              </a:rPr>
+              <a:t>&gt; Connection protection</a:t>
+            </a:r>
+          </a:p>
+          <a:p>
+            <a:pPr marL="0" indent="0" fontAlgn="base">
+              <a:buNone/>
+            </a:pPr>
+            <a:endParaRPr lang="en-US" sz="4000" dirty="0" smtClean="0">
+              <a:effectLst/>
+            </a:endParaRPr>
+          </a:p>
+          <a:p>
+            <a:pPr marL="0" indent="0" fontAlgn="base">
+              <a:buNone/>
+            </a:pPr>
+            <a:endParaRPr lang="en-US" sz="4000" dirty="0" smtClean="0">
+              <a:effectLst/>
+            </a:endParaRPr>
+          </a:p>
+        </p:txBody>
+      </p:sp>
+    </p:spTree>
+    <p:extLst>
+      <p:ext uri="{BB962C8B-B14F-4D97-AF65-F5344CB8AC3E}">
+        <p14:creationId xmlns:p14="http://schemas.microsoft.com/office/powerpoint/2010/main" val="2516781504"/>
+      </p:ext>
+    </p:extLst>
+  </p:cSld>
+  <p:clrMapOvr>
+    <a:masterClrMapping/>
+  </p:clrMapOvr>
+  <mc:AlternateContent xmlns:mc="http://schemas.openxmlformats.org/markup-compatibility/2006" xmlns:p14="http://schemas.microsoft.com/office/powerpoint/2010/main">
+    <mc:Choice Requires="p14">
+      <p:transition p14:dur="0"/>
+    </mc:Choice>
+    <mc:Fallback xmlns="">
+      <p:transition/>
+    </mc:Fallback>
+  </mc:AlternateContent>
+  <p:timing>
+    <p:tnLst>
+      <p:par>
+        <p:cTn id="1" dur="indefinite" restart="never" nodeType="tmRoot"/>
+      </p:par>
+    </p:tnLst>
+  </p:timing>
+</p:sld>
+</file>
+
+<file path=ppt/slides/slide14.xml><?xml version="1.0" encoding="utf-8"?>
+<p:sld xmlns:a="http://schemas.openxmlformats.org/drawingml/2006/main" xmlns:r="http://schemas.openxmlformats.org/officeDocument/2006/relationships" xmlns:p="http://schemas.openxmlformats.org/presentationml/2006/main">
+  <p:cSld>
+    <p:spTree>
+      <p:nvGrpSpPr>
+        <p:cNvPr id="1" name=""/>
+        <p:cNvGrpSpPr/>
+        <p:nvPr/>
+      </p:nvGrpSpPr>
+      <p:grpSpPr>
+        <a:xfrm>
+          <a:off x="0" y="0"/>
+          <a:ext cx="0" cy="0"/>
+          <a:chOff x="0" y="0"/>
+          <a:chExt cx="0" cy="0"/>
+        </a:xfrm>
+      </p:grpSpPr>
+      <p:sp>
+        <p:nvSpPr>
+          <p:cNvPr id="2" name="Title 1"/>
+          <p:cNvSpPr>
+            <a:spLocks noGrp="1"/>
+          </p:cNvSpPr>
+          <p:nvPr>
+            <p:ph type="title"/>
+          </p:nvPr>
+        </p:nvSpPr>
+        <p:spPr/>
+        <p:txBody>
+          <a:bodyPr/>
+          <a:lstStyle/>
+          <a:p>
+            <a:r>
+              <a:rPr lang="en-US" cap="none" dirty="0" smtClean="0">
+                <a:ln w="0"/>
+                <a:gradFill>
+                  <a:gsLst>
+                    <a:gs pos="9000">
+                      <a:srgbClr val="53575C"/>
+                    </a:gs>
+                    <a:gs pos="88000">
+                      <a:srgbClr val="C5C7CA"/>
+                    </a:gs>
+                  </a:gsLst>
+                  <a:lin ang="5400000"/>
+                </a:gradFill>
+                <a:effectLst/>
+              </a:rPr>
+              <a:t>Hardware: PIC </a:t>
+            </a:r>
+            <a:r>
+              <a:rPr lang="en-US" cap="none" dirty="0" smtClean="0">
+                <a:ln w="0"/>
+                <a:gradFill>
+                  <a:gsLst>
+                    <a:gs pos="9000">
+                      <a:srgbClr val="53575C"/>
+                    </a:gs>
+                    <a:gs pos="88000">
+                      <a:srgbClr val="C5C7CA"/>
+                    </a:gs>
+                  </a:gsLst>
+                  <a:lin ang="5400000"/>
+                </a:gradFill>
+                <a:effectLst/>
+              </a:rPr>
+              <a:t>Skirt</a:t>
+            </a:r>
+            <a:endParaRPr lang="en-US" dirty="0"/>
+          </a:p>
+        </p:txBody>
+      </p:sp>
+      <p:cxnSp>
+        <p:nvCxnSpPr>
+          <p:cNvPr id="4" name="Straight Connector 3"/>
+          <p:cNvCxnSpPr/>
+          <p:nvPr/>
+        </p:nvCxnSpPr>
+        <p:spPr>
+          <a:xfrm>
+            <a:off x="228600" y="2034540"/>
+            <a:ext cx="5605453" cy="0"/>
+          </a:xfrm>
+          <a:prstGeom prst="line">
+            <a:avLst/>
+          </a:prstGeom>
+          <a:ln w="38100">
+            <a:solidFill>
+              <a:schemeClr val="accent5">
+                <a:lumMod val="75000"/>
+                <a:alpha val="54000"/>
+              </a:schemeClr>
+            </a:solidFill>
+          </a:ln>
+        </p:spPr>
+        <p:style>
+          <a:lnRef idx="1">
+            <a:schemeClr val="accent1"/>
+          </a:lnRef>
+          <a:fillRef idx="0">
+            <a:schemeClr val="accent1"/>
+          </a:fillRef>
+          <a:effectRef idx="0">
+            <a:schemeClr val="accent1"/>
+          </a:effectRef>
+          <a:fontRef idx="minor">
+            <a:schemeClr val="tx1"/>
+          </a:fontRef>
+        </p:style>
+      </p:cxnSp>
+      <p:sp>
+        <p:nvSpPr>
+          <p:cNvPr id="9" name="Content Placeholder 2"/>
+          <p:cNvSpPr>
+            <a:spLocks noGrp="1"/>
+          </p:cNvSpPr>
+          <p:nvPr>
+            <p:ph idx="1"/>
+          </p:nvPr>
+        </p:nvSpPr>
+        <p:spPr>
+          <a:xfrm>
+            <a:off x="348553" y="2331720"/>
+            <a:ext cx="5485500" cy="4526280"/>
           </a:xfrm>
         </p:spPr>
         <p:txBody>
@@ -6844,16 +7122,116 @@
               <a:rPr lang="en-US" sz="4000" dirty="0" smtClean="0">
                 <a:effectLst/>
               </a:rPr>
-              <a:t>***ADD PICTURE OF CIRCUIT ON ROBOT</a:t>
-            </a:r>
-            <a:endParaRPr lang="en-US" dirty="0"/>
-          </a:p>
-        </p:txBody>
-      </p:sp>
+              <a:t>PIC Skirt:</a:t>
+            </a:r>
+            <a:endParaRPr lang="en-US" sz="4000" dirty="0" smtClean="0">
+              <a:effectLst/>
+            </a:endParaRPr>
+          </a:p>
+          <a:p>
+            <a:pPr marL="0" indent="0" fontAlgn="base">
+              <a:buNone/>
+            </a:pPr>
+            <a:r>
+              <a:rPr lang="en-US" sz="4000" dirty="0">
+                <a:effectLst/>
+              </a:rPr>
+              <a:t>	</a:t>
+            </a:r>
+            <a:r>
+              <a:rPr lang="en-US" sz="4000" dirty="0" smtClean="0">
+                <a:effectLst/>
+              </a:rPr>
+              <a:t>&gt; Protection for 	turn radius</a:t>
+            </a:r>
+          </a:p>
+          <a:p>
+            <a:pPr marL="0" indent="0" fontAlgn="base">
+              <a:buNone/>
+            </a:pPr>
+            <a:r>
+              <a:rPr lang="en-US" sz="4000" dirty="0">
+                <a:effectLst/>
+              </a:rPr>
+              <a:t>	</a:t>
+            </a:r>
+            <a:r>
+              <a:rPr lang="en-US" sz="4000" dirty="0" smtClean="0">
+                <a:effectLst/>
+              </a:rPr>
+              <a:t>&gt;Easy peripheral 	</a:t>
+            </a:r>
+            <a:r>
+              <a:rPr lang="en-US" sz="4000" dirty="0" err="1" smtClean="0">
+                <a:effectLst/>
+              </a:rPr>
+              <a:t>attatchments</a:t>
+            </a:r>
+            <a:r>
+              <a:rPr lang="en-US" sz="4000" dirty="0" smtClean="0">
+                <a:effectLst/>
+              </a:rPr>
+              <a:t> </a:t>
+            </a:r>
+            <a:endParaRPr lang="en-US" sz="4000" dirty="0" smtClean="0">
+              <a:effectLst/>
+            </a:endParaRPr>
+          </a:p>
+          <a:p>
+            <a:pPr marL="0" indent="0" fontAlgn="base">
+              <a:buNone/>
+            </a:pPr>
+            <a:endParaRPr lang="en-US" sz="4000" dirty="0" smtClean="0">
+              <a:effectLst/>
+            </a:endParaRPr>
+          </a:p>
+        </p:txBody>
+      </p:sp>
+      <p:pic>
+        <p:nvPicPr>
+          <p:cNvPr id="2050" name="Picture 2" descr="https://lh5.googleusercontent.com/yI-hV2ZqnuPcngyom87d5S7RVGFE4aSc90vvSpOCxJ9IPr3PDHH-V8f-K2PmIBldZrYM5Wup7hq58KE_2_AXUhiYNDtFfWKb0zPU0Jv1BP9d75Lme-2Z3SAI5s6ZIWd5KcSsiIlR2g"/>
+          <p:cNvPicPr>
+            <a:picLocks noChangeAspect="1" noChangeArrowheads="1"/>
+          </p:cNvPicPr>
+          <p:nvPr/>
+        </p:nvPicPr>
+        <p:blipFill>
+          <a:blip r:embed="rId2">
+            <a:extLst>
+              <a:ext uri="{28A0092B-C50C-407E-A947-70E740481C1C}">
+                <a14:useLocalDpi xmlns:a14="http://schemas.microsoft.com/office/drawing/2010/main" val="0"/>
+              </a:ext>
+            </a:extLst>
+          </a:blip>
+          <a:srcRect/>
+          <a:stretch>
+            <a:fillRect/>
+          </a:stretch>
+        </p:blipFill>
+        <p:spPr bwMode="auto">
+          <a:xfrm rot="16200000">
+            <a:off x="5818180" y="1440288"/>
+            <a:ext cx="5838825" cy="3981450"/>
+          </a:xfrm>
+          <a:prstGeom prst="rect">
+            <a:avLst/>
+          </a:prstGeom>
+          <a:noFill/>
+          <a:extLst>
+            <a:ext uri="{909E8E84-426E-40DD-AFC4-6F175D3DCCD1}">
+              <a14:hiddenFill xmlns:a14="http://schemas.microsoft.com/office/drawing/2010/main">
+                <a:solidFill>
+                  <a:srgbClr val="FFFFFF"/>
+                </a:solidFill>
+              </a14:hiddenFill>
+            </a:ext>
+          </a:extLst>
+        </p:spPr>
+      </p:pic>
     </p:spTree>
     <p:extLst>
       <p:ext uri="{BB962C8B-B14F-4D97-AF65-F5344CB8AC3E}">
-        <p14:creationId xmlns:p14="http://schemas.microsoft.com/office/powerpoint/2010/main" val="481724204"/>
+        <p14:creationId xmlns:p14="http://schemas.microsoft.com/office/powerpoint/2010/main" val="1252586741"/>
       </p:ext>
     </p:extLst>
   </p:cSld>
@@ -6878,7 +7256,7 @@
 </p:sld>
 </file>
 
-<file path=ppt/slides/slide14.xml><?xml version="1.0" encoding="utf-8"?>
+<file path=ppt/slides/slide15.xml><?xml version="1.0" encoding="utf-8"?>
 <p:sld xmlns:a="http://schemas.openxmlformats.org/drawingml/2006/main" xmlns:r="http://schemas.openxmlformats.org/officeDocument/2006/relationships" xmlns:p="http://schemas.openxmlformats.org/presentationml/2006/main">
   <p:cSld>
     <p:spTree>
@@ -7098,6 +7476,264 @@
   <p:clrMapOvr>
     <a:masterClrMapping/>
   </p:clrMapOvr>
+  <mc:AlternateContent xmlns:mc="http://schemas.openxmlformats.org/markup-compatibility/2006" xmlns:p14="http://schemas.microsoft.com/office/powerpoint/2010/main">
+    <mc:Choice Requires="p14">
+      <p:transition p14:dur="0"/>
+    </mc:Choice>
+    <mc:Fallback xmlns="">
+      <p:transition/>
+    </mc:Fallback>
+  </mc:AlternateContent>
+  <p:timing>
+    <p:tnLst>
+      <p:par>
+        <p:cTn id="1" dur="indefinite" restart="never" nodeType="tmRoot"/>
+      </p:par>
+    </p:tnLst>
+  </p:timing>
+</p:sld>
+</file>
+
+<file path=ppt/slides/slide16.xml><?xml version="1.0" encoding="utf-8"?>
+<p:sld xmlns:a="http://schemas.openxmlformats.org/drawingml/2006/main" xmlns:r="http://schemas.openxmlformats.org/officeDocument/2006/relationships" xmlns:p="http://schemas.openxmlformats.org/presentationml/2006/main">
+  <p:cSld>
+    <p:spTree>
+      <p:nvGrpSpPr>
+        <p:cNvPr id="1" name=""/>
+        <p:cNvGrpSpPr/>
+        <p:nvPr/>
+      </p:nvGrpSpPr>
+      <p:grpSpPr>
+        <a:xfrm>
+          <a:off x="0" y="0"/>
+          <a:ext cx="0" cy="0"/>
+          <a:chOff x="0" y="0"/>
+          <a:chExt cx="0" cy="0"/>
+        </a:xfrm>
+      </p:grpSpPr>
+      <p:sp>
+        <p:nvSpPr>
+          <p:cNvPr id="2" name="Title 1"/>
+          <p:cNvSpPr>
+            <a:spLocks noGrp="1"/>
+          </p:cNvSpPr>
+          <p:nvPr>
+            <p:ph type="title"/>
+          </p:nvPr>
+        </p:nvSpPr>
+        <p:spPr/>
+        <p:txBody>
+          <a:bodyPr/>
+          <a:lstStyle/>
+          <a:p>
+            <a:r>
+              <a:rPr lang="en-US" cap="none" dirty="0" smtClean="0">
+                <a:ln w="0"/>
+                <a:gradFill>
+                  <a:gsLst>
+                    <a:gs pos="9000">
+                      <a:srgbClr val="53575C"/>
+                    </a:gs>
+                    <a:gs pos="88000">
+                      <a:srgbClr val="C5C7CA"/>
+                    </a:gs>
+                  </a:gsLst>
+                  <a:lin ang="5400000"/>
+                </a:gradFill>
+                <a:effectLst/>
+              </a:rPr>
+              <a:t>Hardware: IR Sensors</a:t>
+            </a:r>
+            <a:endParaRPr lang="en-US" dirty="0"/>
+          </a:p>
+        </p:txBody>
+      </p:sp>
+      <p:cxnSp>
+        <p:nvCxnSpPr>
+          <p:cNvPr id="4" name="Straight Connector 3"/>
+          <p:cNvCxnSpPr/>
+          <p:nvPr/>
+        </p:nvCxnSpPr>
+        <p:spPr>
+          <a:xfrm flipV="1">
+            <a:off x="724071" y="1943100"/>
+            <a:ext cx="4990929" cy="1"/>
+          </a:xfrm>
+          <a:prstGeom prst="line">
+            <a:avLst/>
+          </a:prstGeom>
+          <a:ln w="38100">
+            <a:solidFill>
+              <a:schemeClr val="accent5">
+                <a:lumMod val="75000"/>
+                <a:alpha val="54000"/>
+              </a:schemeClr>
+            </a:solidFill>
+          </a:ln>
+        </p:spPr>
+        <p:style>
+          <a:lnRef idx="1">
+            <a:schemeClr val="accent1"/>
+          </a:lnRef>
+          <a:fillRef idx="0">
+            <a:schemeClr val="accent1"/>
+          </a:fillRef>
+          <a:effectRef idx="0">
+            <a:schemeClr val="accent1"/>
+          </a:effectRef>
+          <a:fontRef idx="minor">
+            <a:schemeClr val="tx1"/>
+          </a:fontRef>
+        </p:style>
+      </p:cxnSp>
+      <p:pic>
+        <p:nvPicPr>
+          <p:cNvPr id="1026" name="Picture 2" descr="https://lh5.googleusercontent.com/hW-Lf1NTq4iqsg_dZKmcRbl-kAKmBZyh7lbTenUnJHXD81R-W06x9dyM3sUZlsYz11KJXqycV2w9GBVCnYXgw_CSNcPkQW7Dp_oAmHqZ-ZqC0dtOVVntxlKqfq4dVWhSn-hAHnSx_g"/>
+          <p:cNvPicPr>
+            <a:picLocks noChangeAspect="1" noChangeArrowheads="1"/>
+          </p:cNvPicPr>
+          <p:nvPr/>
+        </p:nvPicPr>
+        <p:blipFill>
+          <a:blip r:embed="rId2">
+            <a:extLst>
+              <a:ext uri="{28A0092B-C50C-407E-A947-70E740481C1C}">
+                <a14:useLocalDpi xmlns:a14="http://schemas.microsoft.com/office/drawing/2010/main" val="0"/>
+              </a:ext>
+            </a:extLst>
+          </a:blip>
+          <a:srcRect/>
+          <a:stretch>
+            <a:fillRect/>
+          </a:stretch>
+        </p:blipFill>
+        <p:spPr bwMode="auto">
+          <a:xfrm rot="16200000">
+            <a:off x="5696056" y="1138934"/>
+            <a:ext cx="6112513" cy="4590197"/>
+          </a:xfrm>
+          <a:prstGeom prst="rect">
+            <a:avLst/>
+          </a:prstGeom>
+          <a:noFill/>
+          <a:extLst>
+            <a:ext uri="{909E8E84-426E-40DD-AFC4-6F175D3DCCD1}">
+              <a14:hiddenFill xmlns:a14="http://schemas.microsoft.com/office/drawing/2010/main">
+                <a:solidFill>
+                  <a:srgbClr val="FFFFFF"/>
+                </a:solidFill>
+              </a14:hiddenFill>
+            </a:ext>
+          </a:extLst>
+        </p:spPr>
+      </p:pic>
+      <p:sp>
+        <p:nvSpPr>
+          <p:cNvPr id="9" name="Content Placeholder 2"/>
+          <p:cNvSpPr>
+            <a:spLocks noGrp="1"/>
+          </p:cNvSpPr>
+          <p:nvPr>
+            <p:ph idx="1"/>
+          </p:nvPr>
+        </p:nvSpPr>
+        <p:spPr>
+          <a:xfrm>
+            <a:off x="344244" y="2514600"/>
+            <a:ext cx="5788098" cy="3629463"/>
+          </a:xfrm>
+        </p:spPr>
+        <p:txBody>
+          <a:bodyPr>
+            <a:normAutofit/>
+          </a:bodyPr>
+          <a:lstStyle/>
+          <a:p>
+            <a:pPr marL="0" indent="0">
+              <a:buNone/>
+            </a:pPr>
+            <a:r>
+              <a:rPr lang="en-US" sz="3200" dirty="0" smtClean="0">
+                <a:effectLst/>
+              </a:rPr>
+              <a:t>IR Sensor </a:t>
+            </a:r>
+            <a:r>
+              <a:rPr lang="en-US" sz="3200" dirty="0" smtClean="0">
+                <a:effectLst/>
+              </a:rPr>
+              <a:t>casing</a:t>
+            </a:r>
+            <a:r>
+              <a:rPr lang="en-US" sz="3200" dirty="0" smtClean="0">
+                <a:effectLst/>
+              </a:rPr>
+              <a:t>:</a:t>
+            </a:r>
+            <a:endParaRPr lang="en-US" sz="3200" dirty="0" smtClean="0">
+              <a:effectLst/>
+            </a:endParaRPr>
+          </a:p>
+          <a:p>
+            <a:pPr marL="0" indent="0">
+              <a:buNone/>
+            </a:pPr>
+            <a:r>
+              <a:rPr lang="en-US" sz="3200" dirty="0">
+                <a:effectLst/>
+              </a:rPr>
+              <a:t>	</a:t>
+            </a:r>
+            <a:r>
+              <a:rPr lang="en-US" sz="3200" dirty="0" smtClean="0">
+                <a:effectLst/>
+              </a:rPr>
+              <a:t>&gt;3D printed IR sensor case</a:t>
+            </a:r>
+            <a:endParaRPr lang="en-US" sz="3200" dirty="0" smtClean="0">
+              <a:effectLst/>
+            </a:endParaRPr>
+          </a:p>
+          <a:p>
+            <a:pPr marL="0" indent="0">
+              <a:buNone/>
+            </a:pPr>
+            <a:r>
+              <a:rPr lang="en-US" sz="3200" dirty="0">
+                <a:effectLst/>
+              </a:rPr>
+              <a:t>	</a:t>
+            </a:r>
+            <a:r>
+              <a:rPr lang="en-US" sz="3200" dirty="0" smtClean="0">
+                <a:effectLst/>
+              </a:rPr>
+              <a:t>&gt;Standard spacing and 	height</a:t>
+            </a:r>
+            <a:endParaRPr lang="en-US" sz="4000" dirty="0" smtClean="0">
+              <a:effectLst/>
+            </a:endParaRPr>
+          </a:p>
+          <a:p>
+            <a:pPr marL="0" indent="0" fontAlgn="base">
+              <a:buNone/>
+            </a:pPr>
+            <a:endParaRPr lang="en-US" sz="4000" dirty="0" smtClean="0">
+              <a:effectLst/>
+            </a:endParaRPr>
+          </a:p>
+        </p:txBody>
+      </p:sp>
+    </p:spTree>
+    <p:extLst>
+      <p:ext uri="{BB962C8B-B14F-4D97-AF65-F5344CB8AC3E}">
+        <p14:creationId xmlns:p14="http://schemas.microsoft.com/office/powerpoint/2010/main" val="3622817604"/>
+      </p:ext>
+    </p:extLst>
+  </p:cSld>
+  <p:clrMapOvr>
+    <a:masterClrMapping/>
+  </p:clrMapOvr>
   <mc:AlternateContent xmlns:mc="http://schemas.openxmlformats.org/markup-compatibility/2006">
     <mc:Choice xmlns:p14="http://schemas.microsoft.com/office/powerpoint/2010/main" Requires="p14">
       <p:transition p14:dur="0"/>
@@ -7116,7 +7752,7 @@
 </p:sld>
 </file>
 
-<file path=ppt/slides/slide15.xml><?xml version="1.0" encoding="utf-8"?>
+<file path=ppt/slides/slide17.xml><?xml version="1.0" encoding="utf-8"?>
 <p:sld xmlns:a="http://schemas.openxmlformats.org/drawingml/2006/main" xmlns:r="http://schemas.openxmlformats.org/officeDocument/2006/relationships" xmlns:p="http://schemas.openxmlformats.org/presentationml/2006/main">
   <p:cSld>
     <p:spTree>
@@ -7336,11 +7972,11 @@
   <p:clrMapOvr>
     <a:masterClrMapping/>
   </p:clrMapOvr>
-  <mc:AlternateContent xmlns:mc="http://schemas.openxmlformats.org/markup-compatibility/2006">
-    <mc:Choice xmlns:p14="http://schemas.microsoft.com/office/powerpoint/2010/main" Requires="p14">
+  <mc:AlternateContent xmlns:mc="http://schemas.openxmlformats.org/markup-compatibility/2006" xmlns:p14="http://schemas.microsoft.com/office/powerpoint/2010/main">
+    <mc:Choice Requires="p14">
       <p:transition p14:dur="0"/>
     </mc:Choice>
-    <mc:Fallback>
+    <mc:Fallback xmlns="">
       <p:transition/>
     </mc:Fallback>
   </mc:AlternateContent>
@@ -7354,7 +7990,7 @@
 </p:sld>
 </file>
 
-<file path=ppt/slides/slide16.xml><?xml version="1.0" encoding="utf-8"?>
+<file path=ppt/slides/slide18.xml><?xml version="1.0" encoding="utf-8"?>
 <p:sld xmlns:a="http://schemas.openxmlformats.org/drawingml/2006/main" xmlns:r="http://schemas.openxmlformats.org/officeDocument/2006/relationships" xmlns:p="http://schemas.openxmlformats.org/presentationml/2006/main">
   <p:cSld>
     <p:spTree>
@@ -7532,11 +8168,11 @@
   <p:clrMapOvr>
     <a:masterClrMapping/>
   </p:clrMapOvr>
-  <mc:AlternateContent xmlns:mc="http://schemas.openxmlformats.org/markup-compatibility/2006">
-    <mc:Choice xmlns:p14="http://schemas.microsoft.com/office/powerpoint/2010/main" Requires="p14">
+  <mc:AlternateContent xmlns:mc="http://schemas.openxmlformats.org/markup-compatibility/2006" xmlns:p14="http://schemas.microsoft.com/office/powerpoint/2010/main">
+    <mc:Choice Requires="p14">
       <p:transition p14:dur="0"/>
     </mc:Choice>
-    <mc:Fallback>
+    <mc:Fallback xmlns="">
       <p:transition/>
     </mc:Fallback>
   </mc:AlternateContent>
@@ -7550,7 +8186,7 @@
 </p:sld>
 </file>
 
-<file path=ppt/slides/slide17.xml><?xml version="1.0" encoding="utf-8"?>
+<file path=ppt/slides/slide19.xml><?xml version="1.0" encoding="utf-8"?>
 <p:sld xmlns:a="http://schemas.openxmlformats.org/drawingml/2006/main" xmlns:r="http://schemas.openxmlformats.org/officeDocument/2006/relationships" xmlns:p="http://schemas.openxmlformats.org/presentationml/2006/main">
   <p:cSld>
     <p:spTree>
@@ -7693,11 +8329,11 @@
   <p:clrMapOvr>
     <a:masterClrMapping/>
   </p:clrMapOvr>
-  <mc:AlternateContent xmlns:mc="http://schemas.openxmlformats.org/markup-compatibility/2006">
-    <mc:Choice xmlns:p14="http://schemas.microsoft.com/office/powerpoint/2010/main" Requires="p14">
+  <mc:AlternateContent xmlns:mc="http://schemas.openxmlformats.org/markup-compatibility/2006" xmlns:p14="http://schemas.microsoft.com/office/powerpoint/2010/main">
+    <mc:Choice Requires="p14">
       <p:transition p14:dur="0"/>
     </mc:Choice>
-    <mc:Fallback>
+    <mc:Fallback xmlns="">
       <p:transition/>
     </mc:Fallback>
   </mc:AlternateContent>
@@ -7711,7 +8347,447 @@
 </p:sld>
 </file>
 
-<file path=ppt/slides/slide18.xml><?xml version="1.0" encoding="utf-8"?>
+<file path=ppt/slides/slide2.xml><?xml version="1.0" encoding="utf-8"?>
+<p:sld xmlns:a="http://schemas.openxmlformats.org/drawingml/2006/main" xmlns:r="http://schemas.openxmlformats.org/officeDocument/2006/relationships" xmlns:p="http://schemas.openxmlformats.org/presentationml/2006/main">
+  <p:cSld>
+    <p:spTree>
+      <p:nvGrpSpPr>
+        <p:cNvPr id="1" name=""/>
+        <p:cNvGrpSpPr/>
+        <p:nvPr/>
+      </p:nvGrpSpPr>
+      <p:grpSpPr>
+        <a:xfrm>
+          <a:off x="0" y="0"/>
+          <a:ext cx="0" cy="0"/>
+          <a:chOff x="0" y="0"/>
+          <a:chExt cx="0" cy="0"/>
+        </a:xfrm>
+      </p:grpSpPr>
+      <p:sp>
+        <p:nvSpPr>
+          <p:cNvPr id="2" name="Title 1"/>
+          <p:cNvSpPr>
+            <a:spLocks noGrp="1"/>
+          </p:cNvSpPr>
+          <p:nvPr>
+            <p:ph type="title"/>
+          </p:nvPr>
+        </p:nvSpPr>
+        <p:spPr>
+          <a:xfrm>
+            <a:off x="422031" y="296594"/>
+            <a:ext cx="9905998" cy="1905000"/>
+          </a:xfrm>
+        </p:spPr>
+        <p:txBody>
+          <a:bodyPr>
+            <a:normAutofit/>
+          </a:bodyPr>
+          <a:lstStyle/>
+          <a:p>
+            <a:r>
+              <a:rPr lang="en-US" sz="8800" cap="none" dirty="0" smtClean="0">
+                <a:ln w="0"/>
+                <a:gradFill>
+                  <a:gsLst>
+                    <a:gs pos="9000">
+                      <a:srgbClr val="53575C"/>
+                    </a:gs>
+                    <a:gs pos="88000">
+                      <a:srgbClr val="C5C7CA"/>
+                    </a:gs>
+                  </a:gsLst>
+                  <a:lin ang="5400000"/>
+                </a:gradFill>
+                <a:effectLst/>
+              </a:rPr>
+              <a:t>Overview</a:t>
+            </a:r>
+            <a:endParaRPr lang="en-US" sz="8800" cap="none" dirty="0">
+              <a:ln w="0"/>
+              <a:gradFill>
+                <a:gsLst>
+                  <a:gs pos="9000">
+                    <a:srgbClr val="53575C"/>
+                  </a:gs>
+                  <a:gs pos="88000">
+                    <a:srgbClr val="C5C7CA"/>
+                  </a:gs>
+                </a:gsLst>
+                <a:lin ang="5400000"/>
+              </a:gradFill>
+              <a:effectLst/>
+            </a:endParaRPr>
+          </a:p>
+        </p:txBody>
+      </p:sp>
+      <p:cxnSp>
+        <p:nvCxnSpPr>
+          <p:cNvPr id="4" name="Straight Connector 3"/>
+          <p:cNvCxnSpPr/>
+          <p:nvPr/>
+        </p:nvCxnSpPr>
+        <p:spPr>
+          <a:xfrm>
+            <a:off x="422031" y="1965374"/>
+            <a:ext cx="11010314" cy="0"/>
+          </a:xfrm>
+          <a:prstGeom prst="line">
+            <a:avLst/>
+          </a:prstGeom>
+          <a:ln w="38100">
+            <a:solidFill>
+              <a:schemeClr val="accent5">
+                <a:lumMod val="75000"/>
+                <a:alpha val="54000"/>
+              </a:schemeClr>
+            </a:solidFill>
+          </a:ln>
+        </p:spPr>
+        <p:style>
+          <a:lnRef idx="1">
+            <a:schemeClr val="accent1"/>
+          </a:lnRef>
+          <a:fillRef idx="0">
+            <a:schemeClr val="accent1"/>
+          </a:fillRef>
+          <a:effectRef idx="0">
+            <a:schemeClr val="accent1"/>
+          </a:effectRef>
+          <a:fontRef idx="minor">
+            <a:schemeClr val="tx1"/>
+          </a:fontRef>
+        </p:style>
+      </p:cxnSp>
+      <p:sp>
+        <p:nvSpPr>
+          <p:cNvPr id="3" name="Rectangle 2"/>
+          <p:cNvSpPr/>
+          <p:nvPr/>
+        </p:nvSpPr>
+        <p:spPr>
+          <a:xfrm>
+            <a:off x="1964788" y="2201008"/>
+            <a:ext cx="7924800" cy="4401205"/>
+          </a:xfrm>
+          <a:prstGeom prst="rect">
+            <a:avLst/>
+          </a:prstGeom>
+        </p:spPr>
+        <p:txBody>
+          <a:bodyPr wrap="square">
+            <a:spAutoFit/>
+          </a:bodyPr>
+          <a:lstStyle/>
+          <a:p>
+            <a:pPr algn="ctr"/>
+            <a:r>
+              <a:rPr lang="en-US" sz="2800" cap="none" dirty="0" smtClean="0">
+                <a:ln w="0"/>
+                <a:solidFill>
+                  <a:schemeClr val="tx1"/>
+                </a:solidFill>
+                <a:effectLst>
+                  <a:outerShdw blurRad="38100" dist="19050" dir="2700000" algn="tl" rotWithShape="0">
+                    <a:schemeClr val="dk1">
+                      <a:alpha val="40000"/>
+                    </a:schemeClr>
+                  </a:outerShdw>
+                </a:effectLst>
+              </a:rPr>
+              <a:t>Requirements</a:t>
+            </a:r>
+            <a:br>
+              <a:rPr lang="en-US" sz="2800" cap="none" dirty="0" smtClean="0">
+                <a:ln w="0"/>
+                <a:solidFill>
+                  <a:schemeClr val="tx1"/>
+                </a:solidFill>
+                <a:effectLst>
+                  <a:outerShdw blurRad="38100" dist="19050" dir="2700000" algn="tl" rotWithShape="0">
+                    <a:schemeClr val="dk1">
+                      <a:alpha val="40000"/>
+                    </a:schemeClr>
+                  </a:outerShdw>
+                </a:effectLst>
+              </a:rPr>
+            </a:br>
+            <a:r>
+              <a:rPr lang="en-US" sz="2800" cap="none" dirty="0" smtClean="0">
+                <a:ln w="0"/>
+                <a:solidFill>
+                  <a:schemeClr val="tx1"/>
+                </a:solidFill>
+                <a:effectLst>
+                  <a:outerShdw blurRad="38100" dist="19050" dir="2700000" algn="tl" rotWithShape="0">
+                    <a:schemeClr val="dk1">
+                      <a:alpha val="40000"/>
+                    </a:schemeClr>
+                  </a:outerShdw>
+                </a:effectLst>
+              </a:rPr>
+              <a:t/>
+            </a:r>
+            <a:br>
+              <a:rPr lang="en-US" sz="2800" cap="none" dirty="0" smtClean="0">
+                <a:ln w="0"/>
+                <a:solidFill>
+                  <a:schemeClr val="tx1"/>
+                </a:solidFill>
+                <a:effectLst>
+                  <a:outerShdw blurRad="38100" dist="19050" dir="2700000" algn="tl" rotWithShape="0">
+                    <a:schemeClr val="dk1">
+                      <a:alpha val="40000"/>
+                    </a:schemeClr>
+                  </a:outerShdw>
+                </a:effectLst>
+              </a:rPr>
+            </a:br>
+            <a:r>
+              <a:rPr lang="en-US" sz="2800" cap="none" dirty="0" smtClean="0">
+                <a:ln w="0"/>
+                <a:solidFill>
+                  <a:schemeClr val="tx1"/>
+                </a:solidFill>
+                <a:effectLst>
+                  <a:outerShdw blurRad="38100" dist="19050" dir="2700000" algn="tl" rotWithShape="0">
+                    <a:schemeClr val="dk1">
+                      <a:alpha val="40000"/>
+                    </a:schemeClr>
+                  </a:outerShdw>
+                </a:effectLst>
+              </a:rPr>
+              <a:t>Approach (A high-level description of your whole approach)</a:t>
+            </a:r>
+            <a:br>
+              <a:rPr lang="en-US" sz="2800" cap="none" dirty="0" smtClean="0">
+                <a:ln w="0"/>
+                <a:solidFill>
+                  <a:schemeClr val="tx1"/>
+                </a:solidFill>
+                <a:effectLst>
+                  <a:outerShdw blurRad="38100" dist="19050" dir="2700000" algn="tl" rotWithShape="0">
+                    <a:schemeClr val="dk1">
+                      <a:alpha val="40000"/>
+                    </a:schemeClr>
+                  </a:outerShdw>
+                </a:effectLst>
+              </a:rPr>
+            </a:br>
+            <a:r>
+              <a:rPr lang="en-US" sz="2800" cap="none" dirty="0" smtClean="0">
+                <a:ln w="0"/>
+                <a:solidFill>
+                  <a:schemeClr val="tx1"/>
+                </a:solidFill>
+                <a:effectLst>
+                  <a:outerShdw blurRad="38100" dist="19050" dir="2700000" algn="tl" rotWithShape="0">
+                    <a:schemeClr val="dk1">
+                      <a:alpha val="40000"/>
+                    </a:schemeClr>
+                  </a:outerShdw>
+                </a:effectLst>
+              </a:rPr>
+              <a:t/>
+            </a:r>
+            <a:br>
+              <a:rPr lang="en-US" sz="2800" cap="none" dirty="0" smtClean="0">
+                <a:ln w="0"/>
+                <a:solidFill>
+                  <a:schemeClr val="tx1"/>
+                </a:solidFill>
+                <a:effectLst>
+                  <a:outerShdw blurRad="38100" dist="19050" dir="2700000" algn="tl" rotWithShape="0">
+                    <a:schemeClr val="dk1">
+                      <a:alpha val="40000"/>
+                    </a:schemeClr>
+                  </a:outerShdw>
+                </a:effectLst>
+              </a:rPr>
+            </a:br>
+            <a:r>
+              <a:rPr lang="en-US" sz="2800" cap="none" dirty="0" smtClean="0">
+                <a:ln w="0"/>
+                <a:solidFill>
+                  <a:schemeClr val="tx1"/>
+                </a:solidFill>
+                <a:effectLst>
+                  <a:outerShdw blurRad="38100" dist="19050" dir="2700000" algn="tl" rotWithShape="0">
+                    <a:schemeClr val="dk1">
+                      <a:alpha val="40000"/>
+                    </a:schemeClr>
+                  </a:outerShdw>
+                </a:effectLst>
+              </a:rPr>
+              <a:t>Hardware</a:t>
+            </a:r>
+            <a:br>
+              <a:rPr lang="en-US" sz="2800" cap="none" dirty="0" smtClean="0">
+                <a:ln w="0"/>
+                <a:solidFill>
+                  <a:schemeClr val="tx1"/>
+                </a:solidFill>
+                <a:effectLst>
+                  <a:outerShdw blurRad="38100" dist="19050" dir="2700000" algn="tl" rotWithShape="0">
+                    <a:schemeClr val="dk1">
+                      <a:alpha val="40000"/>
+                    </a:schemeClr>
+                  </a:outerShdw>
+                </a:effectLst>
+              </a:rPr>
+            </a:br>
+            <a:r>
+              <a:rPr lang="en-US" sz="2800" cap="none" dirty="0" smtClean="0">
+                <a:ln w="0"/>
+                <a:solidFill>
+                  <a:schemeClr val="tx1"/>
+                </a:solidFill>
+                <a:effectLst>
+                  <a:outerShdw blurRad="38100" dist="19050" dir="2700000" algn="tl" rotWithShape="0">
+                    <a:schemeClr val="dk1">
+                      <a:alpha val="40000"/>
+                    </a:schemeClr>
+                  </a:outerShdw>
+                </a:effectLst>
+              </a:rPr>
+              <a:t/>
+            </a:r>
+            <a:br>
+              <a:rPr lang="en-US" sz="2800" cap="none" dirty="0" smtClean="0">
+                <a:ln w="0"/>
+                <a:solidFill>
+                  <a:schemeClr val="tx1"/>
+                </a:solidFill>
+                <a:effectLst>
+                  <a:outerShdw blurRad="38100" dist="19050" dir="2700000" algn="tl" rotWithShape="0">
+                    <a:schemeClr val="dk1">
+                      <a:alpha val="40000"/>
+                    </a:schemeClr>
+                  </a:outerShdw>
+                </a:effectLst>
+              </a:rPr>
+            </a:br>
+            <a:r>
+              <a:rPr lang="en-US" sz="2800" cap="none" dirty="0" smtClean="0">
+                <a:ln w="0"/>
+                <a:solidFill>
+                  <a:schemeClr val="tx1"/>
+                </a:solidFill>
+                <a:effectLst>
+                  <a:outerShdw blurRad="38100" dist="19050" dir="2700000" algn="tl" rotWithShape="0">
+                    <a:schemeClr val="dk1">
+                      <a:alpha val="40000"/>
+                    </a:schemeClr>
+                  </a:outerShdw>
+                </a:effectLst>
+              </a:rPr>
+              <a:t>Software</a:t>
+            </a:r>
+            <a:br>
+              <a:rPr lang="en-US" sz="2800" cap="none" dirty="0" smtClean="0">
+                <a:ln w="0"/>
+                <a:solidFill>
+                  <a:schemeClr val="tx1"/>
+                </a:solidFill>
+                <a:effectLst>
+                  <a:outerShdw blurRad="38100" dist="19050" dir="2700000" algn="tl" rotWithShape="0">
+                    <a:schemeClr val="dk1">
+                      <a:alpha val="40000"/>
+                    </a:schemeClr>
+                  </a:outerShdw>
+                </a:effectLst>
+              </a:rPr>
+            </a:br>
+            <a:r>
+              <a:rPr lang="en-US" sz="2800" cap="none" dirty="0" smtClean="0">
+                <a:ln w="0"/>
+                <a:solidFill>
+                  <a:schemeClr val="tx1"/>
+                </a:solidFill>
+                <a:effectLst>
+                  <a:outerShdw blurRad="38100" dist="19050" dir="2700000" algn="tl" rotWithShape="0">
+                    <a:schemeClr val="dk1">
+                      <a:alpha val="40000"/>
+                    </a:schemeClr>
+                  </a:outerShdw>
+                </a:effectLst>
+              </a:rPr>
+              <a:t/>
+            </a:r>
+            <a:br>
+              <a:rPr lang="en-US" sz="2800" cap="none" dirty="0" smtClean="0">
+                <a:ln w="0"/>
+                <a:solidFill>
+                  <a:schemeClr val="tx1"/>
+                </a:solidFill>
+                <a:effectLst>
+                  <a:outerShdw blurRad="38100" dist="19050" dir="2700000" algn="tl" rotWithShape="0">
+                    <a:schemeClr val="dk1">
+                      <a:alpha val="40000"/>
+                    </a:schemeClr>
+                  </a:outerShdw>
+                </a:effectLst>
+              </a:rPr>
+            </a:br>
+            <a:r>
+              <a:rPr lang="en-US" sz="2800" cap="none" dirty="0" smtClean="0">
+                <a:ln w="0"/>
+                <a:solidFill>
+                  <a:schemeClr val="tx1"/>
+                </a:solidFill>
+                <a:effectLst>
+                  <a:outerShdw blurRad="38100" dist="19050" dir="2700000" algn="tl" rotWithShape="0">
+                    <a:schemeClr val="dk1">
+                      <a:alpha val="40000"/>
+                    </a:schemeClr>
+                  </a:outerShdw>
+                </a:effectLst>
+              </a:rPr>
+              <a:t>Deliverables/Conclusion</a:t>
+            </a:r>
+            <a:endParaRPr lang="en-US" sz="2800" dirty="0" smtClean="0">
+              <a:ln w="0"/>
+              <a:effectLst>
+                <a:outerShdw blurRad="38100" dist="19050" dir="2700000" algn="tl" rotWithShape="0">
+                  <a:schemeClr val="dk1">
+                    <a:alpha val="40000"/>
+                  </a:schemeClr>
+                </a:outerShdw>
+              </a:effectLst>
+            </a:endParaRPr>
+          </a:p>
+        </p:txBody>
+      </p:sp>
+    </p:spTree>
+    <p:extLst>
+      <p:ext uri="{BB962C8B-B14F-4D97-AF65-F5344CB8AC3E}">
+        <p14:creationId xmlns:p14="http://schemas.microsoft.com/office/powerpoint/2010/main" val="592831606"/>
+      </p:ext>
+    </p:extLst>
+  </p:cSld>
+  <p:clrMapOvr>
+    <a:masterClrMapping/>
+  </p:clrMapOvr>
+  <mc:AlternateContent xmlns:mc="http://schemas.openxmlformats.org/markup-compatibility/2006" xmlns:p14="http://schemas.microsoft.com/office/powerpoint/2010/main">
+    <mc:Choice Requires="p14">
+      <p:transition p14:dur="0"/>
+    </mc:Choice>
+    <mc:Fallback xmlns="">
+      <p:transition/>
+    </mc:Fallback>
+  </mc:AlternateContent>
+  <p:timing>
+    <p:tnLst>
+      <p:par>
+        <p:cTn id="1" dur="indefinite" restart="never" nodeType="tmRoot"/>
+      </p:par>
+    </p:tnLst>
+  </p:timing>
+</p:sld>
+</file>
+
+<file path=ppt/slides/slide20.xml><?xml version="1.0" encoding="utf-8"?>
 <p:sld xmlns:a="http://schemas.openxmlformats.org/drawingml/2006/main" xmlns:r="http://schemas.openxmlformats.org/officeDocument/2006/relationships" xmlns:p="http://schemas.openxmlformats.org/presentationml/2006/main">
   <p:cSld>
     <p:spTree>
@@ -7902,11 +8978,11 @@
   <p:clrMapOvr>
     <a:masterClrMapping/>
   </p:clrMapOvr>
-  <mc:AlternateContent xmlns:mc="http://schemas.openxmlformats.org/markup-compatibility/2006">
-    <mc:Choice xmlns:p14="http://schemas.microsoft.com/office/powerpoint/2010/main" Requires="p14">
+  <mc:AlternateContent xmlns:mc="http://schemas.openxmlformats.org/markup-compatibility/2006" xmlns:p14="http://schemas.microsoft.com/office/powerpoint/2010/main">
+    <mc:Choice Requires="p14">
       <p:transition p14:dur="0"/>
     </mc:Choice>
-    <mc:Fallback>
+    <mc:Fallback xmlns="">
       <p:transition/>
     </mc:Fallback>
   </mc:AlternateContent>
@@ -7920,7 +8996,7 @@
 </p:sld>
 </file>
 
-<file path=ppt/slides/slide19.xml><?xml version="1.0" encoding="utf-8"?>
+<file path=ppt/slides/slide21.xml><?xml version="1.0" encoding="utf-8"?>
 <p:sld xmlns:a="http://schemas.openxmlformats.org/drawingml/2006/main" xmlns:r="http://schemas.openxmlformats.org/officeDocument/2006/relationships" xmlns:p="http://schemas.openxmlformats.org/presentationml/2006/main">
   <p:cSld>
     <p:spTree>
@@ -8064,11 +9140,11 @@
   <p:clrMapOvr>
     <a:masterClrMapping/>
   </p:clrMapOvr>
-  <mc:AlternateContent xmlns:mc="http://schemas.openxmlformats.org/markup-compatibility/2006">
-    <mc:Choice xmlns:p14="http://schemas.microsoft.com/office/powerpoint/2010/main" Requires="p14">
+  <mc:AlternateContent xmlns:mc="http://schemas.openxmlformats.org/markup-compatibility/2006" xmlns:p14="http://schemas.microsoft.com/office/powerpoint/2010/main">
+    <mc:Choice Requires="p14">
       <p:transition p14:dur="0"/>
     </mc:Choice>
-    <mc:Fallback>
+    <mc:Fallback xmlns="">
       <p:transition/>
     </mc:Fallback>
   </mc:AlternateContent>
@@ -8082,447 +9158,7 @@
 </p:sld>
 </file>
 
-<file path=ppt/slides/slide2.xml><?xml version="1.0" encoding="utf-8"?>
-<p:sld xmlns:a="http://schemas.openxmlformats.org/drawingml/2006/main" xmlns:r="http://schemas.openxmlformats.org/officeDocument/2006/relationships" xmlns:p="http://schemas.openxmlformats.org/presentationml/2006/main">
-  <p:cSld>
-    <p:spTree>
-      <p:nvGrpSpPr>
-        <p:cNvPr id="1" name=""/>
-        <p:cNvGrpSpPr/>
-        <p:nvPr/>
-      </p:nvGrpSpPr>
-      <p:grpSpPr>
-        <a:xfrm>
-          <a:off x="0" y="0"/>
-          <a:ext cx="0" cy="0"/>
-          <a:chOff x="0" y="0"/>
-          <a:chExt cx="0" cy="0"/>
-        </a:xfrm>
-      </p:grpSpPr>
-      <p:sp>
-        <p:nvSpPr>
-          <p:cNvPr id="2" name="Title 1"/>
-          <p:cNvSpPr>
-            <a:spLocks noGrp="1"/>
-          </p:cNvSpPr>
-          <p:nvPr>
-            <p:ph type="title"/>
-          </p:nvPr>
-        </p:nvSpPr>
-        <p:spPr>
-          <a:xfrm>
-            <a:off x="422031" y="296594"/>
-            <a:ext cx="9905998" cy="1905000"/>
-          </a:xfrm>
-        </p:spPr>
-        <p:txBody>
-          <a:bodyPr>
-            <a:normAutofit/>
-          </a:bodyPr>
-          <a:lstStyle/>
-          <a:p>
-            <a:r>
-              <a:rPr lang="en-US" sz="8800" cap="none" dirty="0" smtClean="0">
-                <a:ln w="0"/>
-                <a:gradFill>
-                  <a:gsLst>
-                    <a:gs pos="9000">
-                      <a:srgbClr val="53575C"/>
-                    </a:gs>
-                    <a:gs pos="88000">
-                      <a:srgbClr val="C5C7CA"/>
-                    </a:gs>
-                  </a:gsLst>
-                  <a:lin ang="5400000"/>
-                </a:gradFill>
-                <a:effectLst/>
-              </a:rPr>
-              <a:t>Overview</a:t>
-            </a:r>
-            <a:endParaRPr lang="en-US" sz="8800" cap="none" dirty="0">
-              <a:ln w="0"/>
-              <a:gradFill>
-                <a:gsLst>
-                  <a:gs pos="9000">
-                    <a:srgbClr val="53575C"/>
-                  </a:gs>
-                  <a:gs pos="88000">
-                    <a:srgbClr val="C5C7CA"/>
-                  </a:gs>
-                </a:gsLst>
-                <a:lin ang="5400000"/>
-              </a:gradFill>
-              <a:effectLst/>
-            </a:endParaRPr>
-          </a:p>
-        </p:txBody>
-      </p:sp>
-      <p:cxnSp>
-        <p:nvCxnSpPr>
-          <p:cNvPr id="4" name="Straight Connector 3"/>
-          <p:cNvCxnSpPr/>
-          <p:nvPr/>
-        </p:nvCxnSpPr>
-        <p:spPr>
-          <a:xfrm>
-            <a:off x="422031" y="1965374"/>
-            <a:ext cx="11010314" cy="0"/>
-          </a:xfrm>
-          <a:prstGeom prst="line">
-            <a:avLst/>
-          </a:prstGeom>
-          <a:ln w="38100">
-            <a:solidFill>
-              <a:schemeClr val="accent5">
-                <a:lumMod val="75000"/>
-                <a:alpha val="54000"/>
-              </a:schemeClr>
-            </a:solidFill>
-          </a:ln>
-        </p:spPr>
-        <p:style>
-          <a:lnRef idx="1">
-            <a:schemeClr val="accent1"/>
-          </a:lnRef>
-          <a:fillRef idx="0">
-            <a:schemeClr val="accent1"/>
-          </a:fillRef>
-          <a:effectRef idx="0">
-            <a:schemeClr val="accent1"/>
-          </a:effectRef>
-          <a:fontRef idx="minor">
-            <a:schemeClr val="tx1"/>
-          </a:fontRef>
-        </p:style>
-      </p:cxnSp>
-      <p:sp>
-        <p:nvSpPr>
-          <p:cNvPr id="3" name="Rectangle 2"/>
-          <p:cNvSpPr/>
-          <p:nvPr/>
-        </p:nvSpPr>
-        <p:spPr>
-          <a:xfrm>
-            <a:off x="1964788" y="2201008"/>
-            <a:ext cx="7924800" cy="4401205"/>
-          </a:xfrm>
-          <a:prstGeom prst="rect">
-            <a:avLst/>
-          </a:prstGeom>
-        </p:spPr>
-        <p:txBody>
-          <a:bodyPr wrap="square">
-            <a:spAutoFit/>
-          </a:bodyPr>
-          <a:lstStyle/>
-          <a:p>
-            <a:pPr algn="ctr"/>
-            <a:r>
-              <a:rPr lang="en-US" sz="2800" cap="none" dirty="0" smtClean="0">
-                <a:ln w="0"/>
-                <a:solidFill>
-                  <a:schemeClr val="tx1"/>
-                </a:solidFill>
-                <a:effectLst>
-                  <a:outerShdw blurRad="38100" dist="19050" dir="2700000" algn="tl" rotWithShape="0">
-                    <a:schemeClr val="dk1">
-                      <a:alpha val="40000"/>
-                    </a:schemeClr>
-                  </a:outerShdw>
-                </a:effectLst>
-              </a:rPr>
-              <a:t>Requirements</a:t>
-            </a:r>
-            <a:br>
-              <a:rPr lang="en-US" sz="2800" cap="none" dirty="0" smtClean="0">
-                <a:ln w="0"/>
-                <a:solidFill>
-                  <a:schemeClr val="tx1"/>
-                </a:solidFill>
-                <a:effectLst>
-                  <a:outerShdw blurRad="38100" dist="19050" dir="2700000" algn="tl" rotWithShape="0">
-                    <a:schemeClr val="dk1">
-                      <a:alpha val="40000"/>
-                    </a:schemeClr>
-                  </a:outerShdw>
-                </a:effectLst>
-              </a:rPr>
-            </a:br>
-            <a:r>
-              <a:rPr lang="en-US" sz="2800" cap="none" dirty="0" smtClean="0">
-                <a:ln w="0"/>
-                <a:solidFill>
-                  <a:schemeClr val="tx1"/>
-                </a:solidFill>
-                <a:effectLst>
-                  <a:outerShdw blurRad="38100" dist="19050" dir="2700000" algn="tl" rotWithShape="0">
-                    <a:schemeClr val="dk1">
-                      <a:alpha val="40000"/>
-                    </a:schemeClr>
-                  </a:outerShdw>
-                </a:effectLst>
-              </a:rPr>
-              <a:t/>
-            </a:r>
-            <a:br>
-              <a:rPr lang="en-US" sz="2800" cap="none" dirty="0" smtClean="0">
-                <a:ln w="0"/>
-                <a:solidFill>
-                  <a:schemeClr val="tx1"/>
-                </a:solidFill>
-                <a:effectLst>
-                  <a:outerShdw blurRad="38100" dist="19050" dir="2700000" algn="tl" rotWithShape="0">
-                    <a:schemeClr val="dk1">
-                      <a:alpha val="40000"/>
-                    </a:schemeClr>
-                  </a:outerShdw>
-                </a:effectLst>
-              </a:rPr>
-            </a:br>
-            <a:r>
-              <a:rPr lang="en-US" sz="2800" cap="none" dirty="0" smtClean="0">
-                <a:ln w="0"/>
-                <a:solidFill>
-                  <a:schemeClr val="tx1"/>
-                </a:solidFill>
-                <a:effectLst>
-                  <a:outerShdw blurRad="38100" dist="19050" dir="2700000" algn="tl" rotWithShape="0">
-                    <a:schemeClr val="dk1">
-                      <a:alpha val="40000"/>
-                    </a:schemeClr>
-                  </a:outerShdw>
-                </a:effectLst>
-              </a:rPr>
-              <a:t>Approach (A high-level description of your whole approach)</a:t>
-            </a:r>
-            <a:br>
-              <a:rPr lang="en-US" sz="2800" cap="none" dirty="0" smtClean="0">
-                <a:ln w="0"/>
-                <a:solidFill>
-                  <a:schemeClr val="tx1"/>
-                </a:solidFill>
-                <a:effectLst>
-                  <a:outerShdw blurRad="38100" dist="19050" dir="2700000" algn="tl" rotWithShape="0">
-                    <a:schemeClr val="dk1">
-                      <a:alpha val="40000"/>
-                    </a:schemeClr>
-                  </a:outerShdw>
-                </a:effectLst>
-              </a:rPr>
-            </a:br>
-            <a:r>
-              <a:rPr lang="en-US" sz="2800" cap="none" dirty="0" smtClean="0">
-                <a:ln w="0"/>
-                <a:solidFill>
-                  <a:schemeClr val="tx1"/>
-                </a:solidFill>
-                <a:effectLst>
-                  <a:outerShdw blurRad="38100" dist="19050" dir="2700000" algn="tl" rotWithShape="0">
-                    <a:schemeClr val="dk1">
-                      <a:alpha val="40000"/>
-                    </a:schemeClr>
-                  </a:outerShdw>
-                </a:effectLst>
-              </a:rPr>
-              <a:t/>
-            </a:r>
-            <a:br>
-              <a:rPr lang="en-US" sz="2800" cap="none" dirty="0" smtClean="0">
-                <a:ln w="0"/>
-                <a:solidFill>
-                  <a:schemeClr val="tx1"/>
-                </a:solidFill>
-                <a:effectLst>
-                  <a:outerShdw blurRad="38100" dist="19050" dir="2700000" algn="tl" rotWithShape="0">
-                    <a:schemeClr val="dk1">
-                      <a:alpha val="40000"/>
-                    </a:schemeClr>
-                  </a:outerShdw>
-                </a:effectLst>
-              </a:rPr>
-            </a:br>
-            <a:r>
-              <a:rPr lang="en-US" sz="2800" cap="none" dirty="0" smtClean="0">
-                <a:ln w="0"/>
-                <a:solidFill>
-                  <a:schemeClr val="tx1"/>
-                </a:solidFill>
-                <a:effectLst>
-                  <a:outerShdw blurRad="38100" dist="19050" dir="2700000" algn="tl" rotWithShape="0">
-                    <a:schemeClr val="dk1">
-                      <a:alpha val="40000"/>
-                    </a:schemeClr>
-                  </a:outerShdw>
-                </a:effectLst>
-              </a:rPr>
-              <a:t>Hardware</a:t>
-            </a:r>
-            <a:br>
-              <a:rPr lang="en-US" sz="2800" cap="none" dirty="0" smtClean="0">
-                <a:ln w="0"/>
-                <a:solidFill>
-                  <a:schemeClr val="tx1"/>
-                </a:solidFill>
-                <a:effectLst>
-                  <a:outerShdw blurRad="38100" dist="19050" dir="2700000" algn="tl" rotWithShape="0">
-                    <a:schemeClr val="dk1">
-                      <a:alpha val="40000"/>
-                    </a:schemeClr>
-                  </a:outerShdw>
-                </a:effectLst>
-              </a:rPr>
-            </a:br>
-            <a:r>
-              <a:rPr lang="en-US" sz="2800" cap="none" dirty="0" smtClean="0">
-                <a:ln w="0"/>
-                <a:solidFill>
-                  <a:schemeClr val="tx1"/>
-                </a:solidFill>
-                <a:effectLst>
-                  <a:outerShdw blurRad="38100" dist="19050" dir="2700000" algn="tl" rotWithShape="0">
-                    <a:schemeClr val="dk1">
-                      <a:alpha val="40000"/>
-                    </a:schemeClr>
-                  </a:outerShdw>
-                </a:effectLst>
-              </a:rPr>
-              <a:t/>
-            </a:r>
-            <a:br>
-              <a:rPr lang="en-US" sz="2800" cap="none" dirty="0" smtClean="0">
-                <a:ln w="0"/>
-                <a:solidFill>
-                  <a:schemeClr val="tx1"/>
-                </a:solidFill>
-                <a:effectLst>
-                  <a:outerShdw blurRad="38100" dist="19050" dir="2700000" algn="tl" rotWithShape="0">
-                    <a:schemeClr val="dk1">
-                      <a:alpha val="40000"/>
-                    </a:schemeClr>
-                  </a:outerShdw>
-                </a:effectLst>
-              </a:rPr>
-            </a:br>
-            <a:r>
-              <a:rPr lang="en-US" sz="2800" cap="none" dirty="0" smtClean="0">
-                <a:ln w="0"/>
-                <a:solidFill>
-                  <a:schemeClr val="tx1"/>
-                </a:solidFill>
-                <a:effectLst>
-                  <a:outerShdw blurRad="38100" dist="19050" dir="2700000" algn="tl" rotWithShape="0">
-                    <a:schemeClr val="dk1">
-                      <a:alpha val="40000"/>
-                    </a:schemeClr>
-                  </a:outerShdw>
-                </a:effectLst>
-              </a:rPr>
-              <a:t>Software</a:t>
-            </a:r>
-            <a:br>
-              <a:rPr lang="en-US" sz="2800" cap="none" dirty="0" smtClean="0">
-                <a:ln w="0"/>
-                <a:solidFill>
-                  <a:schemeClr val="tx1"/>
-                </a:solidFill>
-                <a:effectLst>
-                  <a:outerShdw blurRad="38100" dist="19050" dir="2700000" algn="tl" rotWithShape="0">
-                    <a:schemeClr val="dk1">
-                      <a:alpha val="40000"/>
-                    </a:schemeClr>
-                  </a:outerShdw>
-                </a:effectLst>
-              </a:rPr>
-            </a:br>
-            <a:r>
-              <a:rPr lang="en-US" sz="2800" cap="none" dirty="0" smtClean="0">
-                <a:ln w="0"/>
-                <a:solidFill>
-                  <a:schemeClr val="tx1"/>
-                </a:solidFill>
-                <a:effectLst>
-                  <a:outerShdw blurRad="38100" dist="19050" dir="2700000" algn="tl" rotWithShape="0">
-                    <a:schemeClr val="dk1">
-                      <a:alpha val="40000"/>
-                    </a:schemeClr>
-                  </a:outerShdw>
-                </a:effectLst>
-              </a:rPr>
-              <a:t/>
-            </a:r>
-            <a:br>
-              <a:rPr lang="en-US" sz="2800" cap="none" dirty="0" smtClean="0">
-                <a:ln w="0"/>
-                <a:solidFill>
-                  <a:schemeClr val="tx1"/>
-                </a:solidFill>
-                <a:effectLst>
-                  <a:outerShdw blurRad="38100" dist="19050" dir="2700000" algn="tl" rotWithShape="0">
-                    <a:schemeClr val="dk1">
-                      <a:alpha val="40000"/>
-                    </a:schemeClr>
-                  </a:outerShdw>
-                </a:effectLst>
-              </a:rPr>
-            </a:br>
-            <a:r>
-              <a:rPr lang="en-US" sz="2800" cap="none" dirty="0" smtClean="0">
-                <a:ln w="0"/>
-                <a:solidFill>
-                  <a:schemeClr val="tx1"/>
-                </a:solidFill>
-                <a:effectLst>
-                  <a:outerShdw blurRad="38100" dist="19050" dir="2700000" algn="tl" rotWithShape="0">
-                    <a:schemeClr val="dk1">
-                      <a:alpha val="40000"/>
-                    </a:schemeClr>
-                  </a:outerShdw>
-                </a:effectLst>
-              </a:rPr>
-              <a:t>Deliverables/Conclusion</a:t>
-            </a:r>
-            <a:endParaRPr lang="en-US" sz="2800" dirty="0" smtClean="0">
-              <a:ln w="0"/>
-              <a:effectLst>
-                <a:outerShdw blurRad="38100" dist="19050" dir="2700000" algn="tl" rotWithShape="0">
-                  <a:schemeClr val="dk1">
-                    <a:alpha val="40000"/>
-                  </a:schemeClr>
-                </a:outerShdw>
-              </a:effectLst>
-            </a:endParaRPr>
-          </a:p>
-        </p:txBody>
-      </p:sp>
-    </p:spTree>
-    <p:extLst>
-      <p:ext uri="{BB962C8B-B14F-4D97-AF65-F5344CB8AC3E}">
-        <p14:creationId xmlns:p14="http://schemas.microsoft.com/office/powerpoint/2010/main" val="592831606"/>
-      </p:ext>
-    </p:extLst>
-  </p:cSld>
-  <p:clrMapOvr>
-    <a:masterClrMapping/>
-  </p:clrMapOvr>
-  <mc:AlternateContent xmlns:mc="http://schemas.openxmlformats.org/markup-compatibility/2006">
-    <mc:Choice xmlns:p14="http://schemas.microsoft.com/office/powerpoint/2010/main" Requires="p14">
-      <p:transition p14:dur="0"/>
-    </mc:Choice>
-    <mc:Fallback>
-      <p:transition/>
-    </mc:Fallback>
-  </mc:AlternateContent>
-  <p:timing>
-    <p:tnLst>
-      <p:par>
-        <p:cTn id="1" dur="indefinite" restart="never" nodeType="tmRoot"/>
-      </p:par>
-    </p:tnLst>
-  </p:timing>
-</p:sld>
-</file>
-
-<file path=ppt/slides/slide20.xml><?xml version="1.0" encoding="utf-8"?>
+<file path=ppt/slides/slide22.xml><?xml version="1.0" encoding="utf-8"?>
 <p:sld xmlns:a="http://schemas.openxmlformats.org/drawingml/2006/main" xmlns:r="http://schemas.openxmlformats.org/officeDocument/2006/relationships" xmlns:p="http://schemas.openxmlformats.org/presentationml/2006/main">
   <p:cSld>
     <p:spTree>
@@ -8674,11 +9310,11 @@
   <p:clrMapOvr>
     <a:masterClrMapping/>
   </p:clrMapOvr>
-  <mc:AlternateContent xmlns:mc="http://schemas.openxmlformats.org/markup-compatibility/2006">
-    <mc:Choice xmlns:p14="http://schemas.microsoft.com/office/powerpoint/2010/main" Requires="p14">
+  <mc:AlternateContent xmlns:mc="http://schemas.openxmlformats.org/markup-compatibility/2006" xmlns:p14="http://schemas.microsoft.com/office/powerpoint/2010/main">
+    <mc:Choice Requires="p14">
       <p:transition p14:dur="0"/>
     </mc:Choice>
-    <mc:Fallback>
+    <mc:Fallback xmlns="">
       <p:transition/>
     </mc:Fallback>
   </mc:AlternateContent>
@@ -8692,7 +9328,7 @@
 </p:sld>
 </file>
 
-<file path=ppt/slides/slide21.xml><?xml version="1.0" encoding="utf-8"?>
+<file path=ppt/slides/slide23.xml><?xml version="1.0" encoding="utf-8"?>
 <p:sld xmlns:a="http://schemas.openxmlformats.org/drawingml/2006/main" xmlns:r="http://schemas.openxmlformats.org/officeDocument/2006/relationships" xmlns:p="http://schemas.openxmlformats.org/presentationml/2006/main">
   <p:cSld>
     <p:spTree>
@@ -8740,7 +9376,25 @@
                 </a:gradFill>
                 <a:effectLst/>
               </a:rPr>
-              <a:t>Hardware: PIC Stand</a:t>
+              <a:t>Hardware: </a:t>
+            </a:r>
+            <a:r>
+              <a:rPr lang="en-US" cap="none" dirty="0" smtClean="0">
+                <a:ln w="0"/>
+                <a:gradFill>
+                  <a:gsLst>
+                    <a:gs pos="9000">
+                      <a:srgbClr val="53575C"/>
+                    </a:gs>
+                    <a:gs pos="88000">
+                      <a:srgbClr val="C5C7CA"/>
+                    </a:gs>
+                  </a:gsLst>
+                  <a:lin ang="5400000"/>
+                </a:gradFill>
+                <a:effectLst/>
+              </a:rPr>
+              <a:t>LCD Screen</a:t>
             </a:r>
             <a:endParaRPr lang="en-US" dirty="0"/>
           </a:p>
@@ -8754,8 +9408,8 @@
         </p:nvCxnSpPr>
         <p:spPr>
           <a:xfrm>
-            <a:off x="228600" y="2034540"/>
-            <a:ext cx="5605453" cy="0"/>
+            <a:off x="541191" y="2117187"/>
+            <a:ext cx="11010314" cy="0"/>
           </a:xfrm>
           <a:prstGeom prst="line">
             <a:avLst/>
@@ -8784,50 +9438,9 @@
           </a:fontRef>
         </p:style>
       </p:cxnSp>
-      <p:pic>
-        <p:nvPicPr>
-          <p:cNvPr id="17410" name="Picture 2" descr="https://lh3.googleusercontent.com/U49dlCmDGMu9c2yyvhknE8FAa47PGBzNqn7BT4u3FfWJFU5zh53byCypqGRpQVaCDQl3f-1tUTrnipyUlTEi6T97OA8Eaf2FO7CZcOnikj3Hv5v5KjTzOXMc7l3QFH2tBej5kYTj3A"/>
-          <p:cNvPicPr>
-            <a:picLocks noChangeAspect="1" noChangeArrowheads="1"/>
-          </p:cNvPicPr>
-          <p:nvPr/>
-        </p:nvPicPr>
-        <p:blipFill>
-          <a:blip r:embed="rId2">
-            <a:extLst>
-              <a:ext uri="{28A0092B-C50C-407E-A947-70E740481C1C}">
-                <a14:useLocalDpi xmlns:a14="http://schemas.microsoft.com/office/drawing/2010/main" val="0"/>
-              </a:ext>
-            </a:extLst>
-          </a:blip>
-          <a:srcRect/>
-          <a:stretch>
-            <a:fillRect/>
-          </a:stretch>
-        </p:blipFill>
-        <p:spPr bwMode="auto">
-          <a:xfrm>
-            <a:off x="6026691" y="1379530"/>
-            <a:ext cx="5933533" cy="4960310"/>
-          </a:xfrm>
-          <a:prstGeom prst="rect">
-            <a:avLst/>
-          </a:prstGeom>
-          <a:noFill/>
-          <a:extLst>
-            <a:ext uri="{909E8E84-426E-40DD-AFC4-6F175D3DCCD1}">
-              <a14:hiddenFill xmlns:a14="http://schemas.microsoft.com/office/drawing/2010/main">
-                <a:solidFill>
-                  <a:srgbClr val="FFFFFF"/>
-                </a:solidFill>
-              </a14:hiddenFill>
-            </a:ext>
-          </a:extLst>
-        </p:spPr>
-      </p:pic>
-      <p:sp>
-        <p:nvSpPr>
-          <p:cNvPr id="9" name="Content Placeholder 2"/>
+      <p:sp>
+        <p:nvSpPr>
+          <p:cNvPr id="5" name="Content Placeholder 2"/>
           <p:cNvSpPr>
             <a:spLocks noGrp="1"/>
           </p:cNvSpPr>
@@ -8837,13 +9450,13 @@
         </p:nvSpPr>
         <p:spPr>
           <a:xfrm>
-            <a:off x="228600" y="2331720"/>
-            <a:ext cx="5485500" cy="4526280"/>
+            <a:off x="399523" y="3099638"/>
+            <a:ext cx="6297491" cy="3629463"/>
           </a:xfrm>
         </p:spPr>
         <p:txBody>
           <a:bodyPr>
-            <a:normAutofit fontScale="77500" lnSpcReduction="20000"/>
+            <a:normAutofit fontScale="92500" lnSpcReduction="20000"/>
           </a:bodyPr>
           <a:lstStyle/>
           <a:p>
@@ -8854,8 +9467,56 @@
               <a:rPr lang="en-US" sz="4000" dirty="0" smtClean="0">
                 <a:effectLst/>
               </a:rPr>
-              <a:t>3D printed holster for development board</a:t>
-            </a:r>
+              <a:t>LCD Screen:</a:t>
+            </a:r>
+          </a:p>
+          <a:p>
+            <a:pPr marL="0" indent="0" fontAlgn="base">
+              <a:buNone/>
+            </a:pPr>
+            <a:r>
+              <a:rPr lang="en-US" sz="4000" dirty="0" smtClean="0">
+                <a:effectLst/>
+              </a:rPr>
+              <a:t>&gt;</a:t>
+            </a:r>
+            <a:r>
+              <a:rPr lang="en-US" sz="4000" dirty="0" err="1" smtClean="0">
+                <a:effectLst/>
+              </a:rPr>
+              <a:t>Debuggiing</a:t>
+            </a:r>
+            <a:r>
+              <a:rPr lang="en-US" sz="4000" dirty="0" smtClean="0">
+                <a:effectLst/>
+              </a:rPr>
+              <a:t> purposes</a:t>
+            </a:r>
+          </a:p>
+          <a:p>
+            <a:pPr marL="0" indent="0" fontAlgn="base">
+              <a:buNone/>
+            </a:pPr>
+            <a:r>
+              <a:rPr lang="en-US" sz="4000" dirty="0" smtClean="0">
+                <a:effectLst/>
+              </a:rPr>
+              <a:t>&gt;Displays state of each IR sensor</a:t>
+            </a:r>
+          </a:p>
+          <a:p>
+            <a:pPr marL="0" indent="0" fontAlgn="base">
+              <a:buNone/>
+            </a:pPr>
+            <a:r>
+              <a:rPr lang="en-US" sz="4000" dirty="0" smtClean="0">
+                <a:effectLst/>
+              </a:rPr>
+              <a:t>&gt;Displays corresponding command</a:t>
+            </a:r>
+            <a:endParaRPr lang="en-US" sz="4000" dirty="0" smtClean="0">
+              <a:effectLst/>
+            </a:endParaRPr>
           </a:p>
           <a:p>
             <a:pPr marL="0" indent="0" fontAlgn="base">
@@ -8869,75 +9530,16 @@
             <a:pPr marL="0" indent="0" fontAlgn="base">
               <a:buNone/>
             </a:pPr>
-            <a:r>
-              <a:rPr lang="en-US" sz="4000" dirty="0">
-                <a:effectLst/>
-              </a:rPr>
-              <a:t>	</a:t>
-            </a:r>
-            <a:r>
-              <a:rPr lang="en-US" sz="4000" dirty="0" smtClean="0">
-                <a:effectLst/>
-              </a:rPr>
-              <a:t>&gt; stability of development 	board</a:t>
-            </a:r>
-          </a:p>
-          <a:p>
-            <a:pPr marL="0" indent="0" fontAlgn="base">
-              <a:buNone/>
-            </a:pPr>
-            <a:r>
-              <a:rPr lang="en-US" sz="4000" dirty="0">
-                <a:effectLst/>
-              </a:rPr>
-              <a:t>	</a:t>
-            </a:r>
-            <a:r>
-              <a:rPr lang="en-US" sz="4000" dirty="0" smtClean="0">
-                <a:effectLst/>
-              </a:rPr>
-              <a:t>&gt; easy peripheral 	attachment</a:t>
-            </a:r>
-          </a:p>
-          <a:p>
-            <a:pPr marL="0" indent="0" fontAlgn="base">
-              <a:buNone/>
-            </a:pPr>
-            <a:r>
-              <a:rPr lang="en-US" sz="4000" dirty="0">
-                <a:effectLst/>
-              </a:rPr>
-              <a:t>	</a:t>
-            </a:r>
-            <a:r>
-              <a:rPr lang="en-US" sz="4000" dirty="0" smtClean="0">
-                <a:effectLst/>
-              </a:rPr>
-              <a:t>&gt; Connection protection</a:t>
-            </a:r>
-          </a:p>
-          <a:p>
-            <a:pPr marL="0" indent="0" fontAlgn="base">
-              <a:buNone/>
-            </a:pPr>
             <a:endParaRPr lang="en-US" sz="4000" dirty="0" smtClean="0">
               <a:effectLst/>
             </a:endParaRPr>
           </a:p>
-          <a:p>
-            <a:pPr marL="0" indent="0" fontAlgn="base">
-              <a:buNone/>
-            </a:pPr>
-            <a:endParaRPr lang="en-US" sz="4000" dirty="0" smtClean="0">
-              <a:effectLst/>
-            </a:endParaRPr>
-          </a:p>
         </p:txBody>
       </p:sp>
     </p:spTree>
     <p:extLst>
       <p:ext uri="{BB962C8B-B14F-4D97-AF65-F5344CB8AC3E}">
-        <p14:creationId xmlns:p14="http://schemas.microsoft.com/office/powerpoint/2010/main" val="2516781504"/>
+        <p14:creationId xmlns:p14="http://schemas.microsoft.com/office/powerpoint/2010/main" val="2707355075"/>
       </p:ext>
     </p:extLst>
   </p:cSld>
@@ -8962,7 +9564,7 @@
 </p:sld>
 </file>
 
-<file path=ppt/slides/slide22.xml><?xml version="1.0" encoding="utf-8"?>
+<file path=ppt/slides/slide24.xml><?xml version="1.0" encoding="utf-8"?>
 <p:sld xmlns:a="http://schemas.openxmlformats.org/drawingml/2006/main" xmlns:r="http://schemas.openxmlformats.org/officeDocument/2006/relationships" xmlns:p="http://schemas.openxmlformats.org/presentationml/2006/main">
   <p:cSld>
     <p:spTree>
@@ -9085,11 +9687,11 @@
   <p:clrMapOvr>
     <a:masterClrMapping/>
   </p:clrMapOvr>
-  <mc:AlternateContent xmlns:mc="http://schemas.openxmlformats.org/markup-compatibility/2006">
-    <mc:Choice xmlns:p14="http://schemas.microsoft.com/office/powerpoint/2010/main" Requires="p14">
+  <mc:AlternateContent xmlns:mc="http://schemas.openxmlformats.org/markup-compatibility/2006" xmlns:p14="http://schemas.microsoft.com/office/powerpoint/2010/main">
+    <mc:Choice Requires="p14">
       <p:transition p14:dur="0"/>
     </mc:Choice>
-    <mc:Fallback>
+    <mc:Fallback xmlns="">
       <p:transition/>
     </mc:Fallback>
   </mc:AlternateContent>
@@ -9103,7 +9705,7 @@
 </p:sld>
 </file>
 
-<file path=ppt/slides/slide23.xml><?xml version="1.0" encoding="utf-8"?>
+<file path=ppt/slides/slide25.xml><?xml version="1.0" encoding="utf-8"?>
 <p:sld xmlns:a="http://schemas.openxmlformats.org/drawingml/2006/main" xmlns:r="http://schemas.openxmlformats.org/officeDocument/2006/relationships" xmlns:p="http://schemas.openxmlformats.org/presentationml/2006/main">
   <p:cSld>
     <p:spTree>
@@ -9349,11 +9951,11 @@
   <p:clrMapOvr>
     <a:masterClrMapping/>
   </p:clrMapOvr>
-  <mc:AlternateContent xmlns:mc="http://schemas.openxmlformats.org/markup-compatibility/2006">
-    <mc:Choice xmlns:p14="http://schemas.microsoft.com/office/powerpoint/2010/main" Requires="p14">
+  <mc:AlternateContent xmlns:mc="http://schemas.openxmlformats.org/markup-compatibility/2006" xmlns:p14="http://schemas.microsoft.com/office/powerpoint/2010/main">
+    <mc:Choice Requires="p14">
       <p:transition p14:dur="0"/>
     </mc:Choice>
-    <mc:Fallback>
+    <mc:Fallback xmlns="">
       <p:transition/>
     </mc:Fallback>
   </mc:AlternateContent>
@@ -9367,7 +9969,7 @@
 </p:sld>
 </file>
 
-<file path=ppt/slides/slide24.xml><?xml version="1.0" encoding="utf-8"?>
+<file path=ppt/slides/slide26.xml><?xml version="1.0" encoding="utf-8"?>
 <p:sld xmlns:a="http://schemas.openxmlformats.org/drawingml/2006/main" xmlns:r="http://schemas.openxmlformats.org/officeDocument/2006/relationships" xmlns:p="http://schemas.openxmlformats.org/presentationml/2006/main">
   <p:cSld>
     <p:spTree>
@@ -9490,9 +10092,6 @@
               </a:rPr>
               <a:t>3 state machines:  </a:t>
             </a:r>
-            <a:endParaRPr lang="en-US" sz="3200" dirty="0">
-              <a:effectLst/>
-            </a:endParaRPr>
           </a:p>
           <a:p>
             <a:pPr marL="0" indent="0" fontAlgn="base">
@@ -9591,11 +10190,11 @@
   <p:clrMapOvr>
     <a:masterClrMapping/>
   </p:clrMapOvr>
-  <mc:AlternateContent xmlns:mc="http://schemas.openxmlformats.org/markup-compatibility/2006">
-    <mc:Choice xmlns:p14="http://schemas.microsoft.com/office/powerpoint/2010/main" Requires="p14">
+  <mc:AlternateContent xmlns:mc="http://schemas.openxmlformats.org/markup-compatibility/2006" xmlns:p14="http://schemas.microsoft.com/office/powerpoint/2010/main">
+    <mc:Choice Requires="p14">
       <p:transition p14:dur="0"/>
     </mc:Choice>
-    <mc:Fallback>
+    <mc:Fallback xmlns="">
       <p:transition/>
     </mc:Fallback>
   </mc:AlternateContent>
@@ -9609,7 +10208,7 @@
 </p:sld>
 </file>
 
-<file path=ppt/slides/slide25.xml><?xml version="1.0" encoding="utf-8"?>
+<file path=ppt/slides/slide27.xml><?xml version="1.0" encoding="utf-8"?>
 <p:sld xmlns:a="http://schemas.openxmlformats.org/drawingml/2006/main" xmlns:r="http://schemas.openxmlformats.org/officeDocument/2006/relationships" xmlns:p="http://schemas.openxmlformats.org/presentationml/2006/main">
   <p:cSld>
     <p:spTree>
@@ -9839,11 +10438,11 @@
   <p:clrMapOvr>
     <a:masterClrMapping/>
   </p:clrMapOvr>
-  <mc:AlternateContent xmlns:mc="http://schemas.openxmlformats.org/markup-compatibility/2006">
-    <mc:Choice xmlns:p14="http://schemas.microsoft.com/office/powerpoint/2010/main" Requires="p14">
+  <mc:AlternateContent xmlns:mc="http://schemas.openxmlformats.org/markup-compatibility/2006" xmlns:p14="http://schemas.microsoft.com/office/powerpoint/2010/main">
+    <mc:Choice Requires="p14">
       <p:transition p14:dur="0"/>
     </mc:Choice>
-    <mc:Fallback>
+    <mc:Fallback xmlns="">
       <p:transition/>
     </mc:Fallback>
   </mc:AlternateContent>
@@ -9857,7 +10456,7 @@
 </p:sld>
 </file>
 
-<file path=ppt/slides/slide26.xml><?xml version="1.0" encoding="utf-8"?>
+<file path=ppt/slides/slide28.xml><?xml version="1.0" encoding="utf-8"?>
 <p:sld xmlns:a="http://schemas.openxmlformats.org/drawingml/2006/main" xmlns:r="http://schemas.openxmlformats.org/officeDocument/2006/relationships" xmlns:p="http://schemas.openxmlformats.org/presentationml/2006/main">
   <p:cSld>
     <p:spTree>
@@ -10115,11 +10714,11 @@
   <p:clrMapOvr>
     <a:masterClrMapping/>
   </p:clrMapOvr>
-  <mc:AlternateContent xmlns:mc="http://schemas.openxmlformats.org/markup-compatibility/2006">
-    <mc:Choice xmlns:p14="http://schemas.microsoft.com/office/powerpoint/2010/main" Requires="p14">
+  <mc:AlternateContent xmlns:mc="http://schemas.openxmlformats.org/markup-compatibility/2006" xmlns:p14="http://schemas.microsoft.com/office/powerpoint/2010/main">
+    <mc:Choice Requires="p14">
       <p:transition p14:dur="0"/>
     </mc:Choice>
-    <mc:Fallback>
+    <mc:Fallback xmlns="">
       <p:transition/>
     </mc:Fallback>
   </mc:AlternateContent>
@@ -10133,7 +10732,7 @@
 </p:sld>
 </file>
 
-<file path=ppt/slides/slide27.xml><?xml version="1.0" encoding="utf-8"?>
+<file path=ppt/slides/slide29.xml><?xml version="1.0" encoding="utf-8"?>
 <p:sld xmlns:a="http://schemas.openxmlformats.org/drawingml/2006/main" xmlns:r="http://schemas.openxmlformats.org/officeDocument/2006/relationships" xmlns:p="http://schemas.openxmlformats.org/presentationml/2006/main">
   <p:cSld>
     <p:spTree>
@@ -10402,261 +11001,11 @@
   <p:clrMapOvr>
     <a:masterClrMapping/>
   </p:clrMapOvr>
-  <mc:AlternateContent xmlns:mc="http://schemas.openxmlformats.org/markup-compatibility/2006">
-    <mc:Choice xmlns:p14="http://schemas.microsoft.com/office/powerpoint/2010/main" Requires="p14">
+  <mc:AlternateContent xmlns:mc="http://schemas.openxmlformats.org/markup-compatibility/2006" xmlns:p14="http://schemas.microsoft.com/office/powerpoint/2010/main">
+    <mc:Choice Requires="p14">
       <p:transition p14:dur="0"/>
     </mc:Choice>
-    <mc:Fallback>
-      <p:transition/>
-    </mc:Fallback>
-  </mc:AlternateContent>
-  <p:timing>
-    <p:tnLst>
-      <p:par>
-        <p:cTn id="1" dur="indefinite" restart="never" nodeType="tmRoot"/>
-      </p:par>
-    </p:tnLst>
-  </p:timing>
-</p:sld>
-</file>
-
-<file path=ppt/slides/slide28.xml><?xml version="1.0" encoding="utf-8"?>
-<p:sld xmlns:a="http://schemas.openxmlformats.org/drawingml/2006/main" xmlns:r="http://schemas.openxmlformats.org/officeDocument/2006/relationships" xmlns:p="http://schemas.openxmlformats.org/presentationml/2006/main">
-  <p:cSld>
-    <p:spTree>
-      <p:nvGrpSpPr>
-        <p:cNvPr id="1" name=""/>
-        <p:cNvGrpSpPr/>
-        <p:nvPr/>
-      </p:nvGrpSpPr>
-      <p:grpSpPr>
-        <a:xfrm>
-          <a:off x="0" y="0"/>
-          <a:ext cx="0" cy="0"/>
-          <a:chOff x="0" y="0"/>
-          <a:chExt cx="0" cy="0"/>
-        </a:xfrm>
-      </p:grpSpPr>
-      <p:sp>
-        <p:nvSpPr>
-          <p:cNvPr id="2" name="Title 1"/>
-          <p:cNvSpPr>
-            <a:spLocks noGrp="1"/>
-          </p:cNvSpPr>
-          <p:nvPr>
-            <p:ph type="title"/>
-          </p:nvPr>
-        </p:nvSpPr>
-        <p:spPr/>
-        <p:txBody>
-          <a:bodyPr/>
-          <a:lstStyle/>
-          <a:p>
-            <a:r>
-              <a:rPr lang="en-US" cap="none" dirty="0" smtClean="0">
-                <a:ln w="0"/>
-                <a:gradFill>
-                  <a:gsLst>
-                    <a:gs pos="9000">
-                      <a:srgbClr val="53575C"/>
-                    </a:gs>
-                    <a:gs pos="88000">
-                      <a:srgbClr val="C5C7CA"/>
-                    </a:gs>
-                  </a:gsLst>
-                  <a:lin ang="5400000"/>
-                </a:gradFill>
-                <a:effectLst/>
-              </a:rPr>
-              <a:t>Software: Location Awareness</a:t>
-            </a:r>
-            <a:endParaRPr lang="en-US" dirty="0"/>
-          </a:p>
-        </p:txBody>
-      </p:sp>
-      <p:cxnSp>
-        <p:nvCxnSpPr>
-          <p:cNvPr id="4" name="Straight Connector 3"/>
-          <p:cNvCxnSpPr/>
-          <p:nvPr/>
-        </p:nvCxnSpPr>
-        <p:spPr>
-          <a:xfrm>
-            <a:off x="541191" y="2117187"/>
-            <a:ext cx="11010314" cy="0"/>
-          </a:xfrm>
-          <a:prstGeom prst="line">
-            <a:avLst/>
-          </a:prstGeom>
-          <a:ln w="38100">
-            <a:solidFill>
-              <a:schemeClr val="accent5">
-                <a:lumMod val="75000"/>
-                <a:alpha val="54000"/>
-              </a:schemeClr>
-            </a:solidFill>
-          </a:ln>
-        </p:spPr>
-        <p:style>
-          <a:lnRef idx="1">
-            <a:schemeClr val="accent1"/>
-          </a:lnRef>
-          <a:fillRef idx="0">
-            <a:schemeClr val="accent1"/>
-          </a:fillRef>
-          <a:effectRef idx="0">
-            <a:schemeClr val="accent1"/>
-          </a:effectRef>
-          <a:fontRef idx="minor">
-            <a:schemeClr val="tx1"/>
-          </a:fontRef>
-        </p:style>
-      </p:cxnSp>
-      <p:sp>
-        <p:nvSpPr>
-          <p:cNvPr id="5" name="Content Placeholder 2"/>
-          <p:cNvSpPr>
-            <a:spLocks noGrp="1"/>
-          </p:cNvSpPr>
-          <p:nvPr>
-            <p:ph idx="1"/>
-          </p:nvPr>
-        </p:nvSpPr>
-        <p:spPr>
-          <a:xfrm>
-            <a:off x="-320040" y="3227364"/>
-            <a:ext cx="6911169" cy="3629463"/>
-          </a:xfrm>
-        </p:spPr>
-        <p:txBody>
-          <a:bodyPr>
-            <a:normAutofit/>
-          </a:bodyPr>
-          <a:lstStyle/>
-          <a:p>
-            <a:pPr marL="0" indent="0" fontAlgn="base">
-              <a:buNone/>
-            </a:pPr>
-            <a:r>
-              <a:rPr lang="en-US" sz="3200" dirty="0" smtClean="0">
-                <a:effectLst/>
-              </a:rPr>
-              <a:t>	Location awareness features:</a:t>
-            </a:r>
-          </a:p>
-          <a:p>
-            <a:pPr marL="0" indent="0" fontAlgn="base">
-              <a:buNone/>
-            </a:pPr>
-            <a:endParaRPr lang="en-US" sz="3200" dirty="0" smtClean="0">
-              <a:effectLst/>
-            </a:endParaRPr>
-          </a:p>
-          <a:p>
-            <a:pPr marL="0" indent="0" fontAlgn="base">
-              <a:buNone/>
-            </a:pPr>
-            <a:r>
-              <a:rPr lang="en-US" sz="3200" dirty="0">
-                <a:effectLst/>
-              </a:rPr>
-              <a:t>	</a:t>
-            </a:r>
-            <a:r>
-              <a:rPr lang="en-US" sz="3200" dirty="0" smtClean="0">
-                <a:effectLst/>
-              </a:rPr>
-              <a:t>&gt;Detect </a:t>
-            </a:r>
-            <a:r>
-              <a:rPr lang="en-US" sz="3200" dirty="0">
-                <a:effectLst/>
-              </a:rPr>
-              <a:t>map features </a:t>
-            </a:r>
-          </a:p>
-          <a:p>
-            <a:pPr marL="0" indent="0" fontAlgn="base">
-              <a:buNone/>
-            </a:pPr>
-            <a:r>
-              <a:rPr lang="en-US" sz="3200" dirty="0" smtClean="0">
-                <a:effectLst/>
-              </a:rPr>
-              <a:t>	&gt;React </a:t>
-            </a:r>
-            <a:r>
-              <a:rPr lang="en-US" sz="3200" dirty="0">
-                <a:effectLst/>
-              </a:rPr>
-              <a:t>to map features </a:t>
-            </a:r>
-          </a:p>
-          <a:p>
-            <a:pPr marL="0" indent="0">
-              <a:buNone/>
-            </a:pPr>
-            <a:endParaRPr lang="en-US" sz="3200" dirty="0">
-              <a:effectLst/>
-            </a:endParaRPr>
-          </a:p>
-          <a:p>
-            <a:pPr marL="0" indent="0" fontAlgn="base">
-              <a:buNone/>
-            </a:pPr>
-            <a:endParaRPr lang="en-US" sz="4000" dirty="0" smtClean="0">
-              <a:effectLst/>
-            </a:endParaRPr>
-          </a:p>
-          <a:p>
-            <a:pPr marL="0" indent="0" fontAlgn="base">
-              <a:buNone/>
-            </a:pPr>
-            <a:endParaRPr lang="en-US" sz="4000" dirty="0" smtClean="0">
-              <a:effectLst/>
-            </a:endParaRPr>
-          </a:p>
-        </p:txBody>
-      </p:sp>
-      <p:pic>
-        <p:nvPicPr>
-          <p:cNvPr id="3" name="Picture 2"/>
-          <p:cNvPicPr>
-            <a:picLocks noChangeAspect="1"/>
-          </p:cNvPicPr>
-          <p:nvPr/>
-        </p:nvPicPr>
-        <p:blipFill>
-          <a:blip r:embed="rId2"/>
-          <a:stretch>
-            <a:fillRect/>
-          </a:stretch>
-        </p:blipFill>
-        <p:spPr>
-          <a:xfrm>
-            <a:off x="6046348" y="2514600"/>
-            <a:ext cx="4673918" cy="4064277"/>
-          </a:xfrm>
-          <a:prstGeom prst="rect">
-            <a:avLst/>
-          </a:prstGeom>
-        </p:spPr>
-      </p:pic>
-    </p:spTree>
-    <p:extLst>
-      <p:ext uri="{BB962C8B-B14F-4D97-AF65-F5344CB8AC3E}">
-        <p14:creationId xmlns:p14="http://schemas.microsoft.com/office/powerpoint/2010/main" val="3523899906"/>
-      </p:ext>
-    </p:extLst>
-  </p:cSld>
-  <p:clrMapOvr>
-    <a:masterClrMapping/>
-  </p:clrMapOvr>
-  <mc:AlternateContent xmlns:mc="http://schemas.openxmlformats.org/markup-compatibility/2006">
-    <mc:Choice xmlns:p14="http://schemas.microsoft.com/office/powerpoint/2010/main" Requires="p14">
-      <p:transition p14:dur="0"/>
-    </mc:Choice>
-    <mc:Fallback>
+    <mc:Fallback xmlns="">
       <p:transition/>
     </mc:Fallback>
   </mc:AlternateContent>
@@ -10778,11 +11127,261 @@
   <p:clrMapOvr>
     <a:masterClrMapping/>
   </p:clrMapOvr>
-  <mc:AlternateContent xmlns:mc="http://schemas.openxmlformats.org/markup-compatibility/2006">
-    <mc:Choice xmlns:p14="http://schemas.microsoft.com/office/powerpoint/2010/main" Requires="p14">
+  <mc:AlternateContent xmlns:mc="http://schemas.openxmlformats.org/markup-compatibility/2006" xmlns:p14="http://schemas.microsoft.com/office/powerpoint/2010/main">
+    <mc:Choice Requires="p14">
       <p:transition p14:dur="0"/>
     </mc:Choice>
-    <mc:Fallback>
+    <mc:Fallback xmlns="">
+      <p:transition/>
+    </mc:Fallback>
+  </mc:AlternateContent>
+  <p:timing>
+    <p:tnLst>
+      <p:par>
+        <p:cTn id="1" dur="indefinite" restart="never" nodeType="tmRoot"/>
+      </p:par>
+    </p:tnLst>
+  </p:timing>
+</p:sld>
+</file>
+
+<file path=ppt/slides/slide30.xml><?xml version="1.0" encoding="utf-8"?>
+<p:sld xmlns:a="http://schemas.openxmlformats.org/drawingml/2006/main" xmlns:r="http://schemas.openxmlformats.org/officeDocument/2006/relationships" xmlns:p="http://schemas.openxmlformats.org/presentationml/2006/main">
+  <p:cSld>
+    <p:spTree>
+      <p:nvGrpSpPr>
+        <p:cNvPr id="1" name=""/>
+        <p:cNvGrpSpPr/>
+        <p:nvPr/>
+      </p:nvGrpSpPr>
+      <p:grpSpPr>
+        <a:xfrm>
+          <a:off x="0" y="0"/>
+          <a:ext cx="0" cy="0"/>
+          <a:chOff x="0" y="0"/>
+          <a:chExt cx="0" cy="0"/>
+        </a:xfrm>
+      </p:grpSpPr>
+      <p:sp>
+        <p:nvSpPr>
+          <p:cNvPr id="2" name="Title 1"/>
+          <p:cNvSpPr>
+            <a:spLocks noGrp="1"/>
+          </p:cNvSpPr>
+          <p:nvPr>
+            <p:ph type="title"/>
+          </p:nvPr>
+        </p:nvSpPr>
+        <p:spPr/>
+        <p:txBody>
+          <a:bodyPr/>
+          <a:lstStyle/>
+          <a:p>
+            <a:r>
+              <a:rPr lang="en-US" cap="none" dirty="0" smtClean="0">
+                <a:ln w="0"/>
+                <a:gradFill>
+                  <a:gsLst>
+                    <a:gs pos="9000">
+                      <a:srgbClr val="53575C"/>
+                    </a:gs>
+                    <a:gs pos="88000">
+                      <a:srgbClr val="C5C7CA"/>
+                    </a:gs>
+                  </a:gsLst>
+                  <a:lin ang="5400000"/>
+                </a:gradFill>
+                <a:effectLst/>
+              </a:rPr>
+              <a:t>Software: Location Awareness</a:t>
+            </a:r>
+            <a:endParaRPr lang="en-US" dirty="0"/>
+          </a:p>
+        </p:txBody>
+      </p:sp>
+      <p:cxnSp>
+        <p:nvCxnSpPr>
+          <p:cNvPr id="4" name="Straight Connector 3"/>
+          <p:cNvCxnSpPr/>
+          <p:nvPr/>
+        </p:nvCxnSpPr>
+        <p:spPr>
+          <a:xfrm>
+            <a:off x="541191" y="2117187"/>
+            <a:ext cx="11010314" cy="0"/>
+          </a:xfrm>
+          <a:prstGeom prst="line">
+            <a:avLst/>
+          </a:prstGeom>
+          <a:ln w="38100">
+            <a:solidFill>
+              <a:schemeClr val="accent5">
+                <a:lumMod val="75000"/>
+                <a:alpha val="54000"/>
+              </a:schemeClr>
+            </a:solidFill>
+          </a:ln>
+        </p:spPr>
+        <p:style>
+          <a:lnRef idx="1">
+            <a:schemeClr val="accent1"/>
+          </a:lnRef>
+          <a:fillRef idx="0">
+            <a:schemeClr val="accent1"/>
+          </a:fillRef>
+          <a:effectRef idx="0">
+            <a:schemeClr val="accent1"/>
+          </a:effectRef>
+          <a:fontRef idx="minor">
+            <a:schemeClr val="tx1"/>
+          </a:fontRef>
+        </p:style>
+      </p:cxnSp>
+      <p:sp>
+        <p:nvSpPr>
+          <p:cNvPr id="5" name="Content Placeholder 2"/>
+          <p:cNvSpPr>
+            <a:spLocks noGrp="1"/>
+          </p:cNvSpPr>
+          <p:nvPr>
+            <p:ph idx="1"/>
+          </p:nvPr>
+        </p:nvSpPr>
+        <p:spPr>
+          <a:xfrm>
+            <a:off x="-320040" y="3227364"/>
+            <a:ext cx="6911169" cy="3629463"/>
+          </a:xfrm>
+        </p:spPr>
+        <p:txBody>
+          <a:bodyPr>
+            <a:normAutofit/>
+          </a:bodyPr>
+          <a:lstStyle/>
+          <a:p>
+            <a:pPr marL="0" indent="0" fontAlgn="base">
+              <a:buNone/>
+            </a:pPr>
+            <a:r>
+              <a:rPr lang="en-US" sz="3200" dirty="0" smtClean="0">
+                <a:effectLst/>
+              </a:rPr>
+              <a:t>	Location awareness features:</a:t>
+            </a:r>
+          </a:p>
+          <a:p>
+            <a:pPr marL="0" indent="0" fontAlgn="base">
+              <a:buNone/>
+            </a:pPr>
+            <a:endParaRPr lang="en-US" sz="3200" dirty="0" smtClean="0">
+              <a:effectLst/>
+            </a:endParaRPr>
+          </a:p>
+          <a:p>
+            <a:pPr marL="0" indent="0" fontAlgn="base">
+              <a:buNone/>
+            </a:pPr>
+            <a:r>
+              <a:rPr lang="en-US" sz="3200" dirty="0">
+                <a:effectLst/>
+              </a:rPr>
+              <a:t>	</a:t>
+            </a:r>
+            <a:r>
+              <a:rPr lang="en-US" sz="3200" dirty="0" smtClean="0">
+                <a:effectLst/>
+              </a:rPr>
+              <a:t>&gt;Detect </a:t>
+            </a:r>
+            <a:r>
+              <a:rPr lang="en-US" sz="3200" dirty="0">
+                <a:effectLst/>
+              </a:rPr>
+              <a:t>map features </a:t>
+            </a:r>
+          </a:p>
+          <a:p>
+            <a:pPr marL="0" indent="0" fontAlgn="base">
+              <a:buNone/>
+            </a:pPr>
+            <a:r>
+              <a:rPr lang="en-US" sz="3200" dirty="0" smtClean="0">
+                <a:effectLst/>
+              </a:rPr>
+              <a:t>	&gt;React </a:t>
+            </a:r>
+            <a:r>
+              <a:rPr lang="en-US" sz="3200" dirty="0">
+                <a:effectLst/>
+              </a:rPr>
+              <a:t>to map features </a:t>
+            </a:r>
+          </a:p>
+          <a:p>
+            <a:pPr marL="0" indent="0">
+              <a:buNone/>
+            </a:pPr>
+            <a:endParaRPr lang="en-US" sz="3200" dirty="0">
+              <a:effectLst/>
+            </a:endParaRPr>
+          </a:p>
+          <a:p>
+            <a:pPr marL="0" indent="0" fontAlgn="base">
+              <a:buNone/>
+            </a:pPr>
+            <a:endParaRPr lang="en-US" sz="4000" dirty="0" smtClean="0">
+              <a:effectLst/>
+            </a:endParaRPr>
+          </a:p>
+          <a:p>
+            <a:pPr marL="0" indent="0" fontAlgn="base">
+              <a:buNone/>
+            </a:pPr>
+            <a:endParaRPr lang="en-US" sz="4000" dirty="0" smtClean="0">
+              <a:effectLst/>
+            </a:endParaRPr>
+          </a:p>
+        </p:txBody>
+      </p:sp>
+      <p:pic>
+        <p:nvPicPr>
+          <p:cNvPr id="3" name="Picture 2"/>
+          <p:cNvPicPr>
+            <a:picLocks noChangeAspect="1"/>
+          </p:cNvPicPr>
+          <p:nvPr/>
+        </p:nvPicPr>
+        <p:blipFill>
+          <a:blip r:embed="rId2"/>
+          <a:stretch>
+            <a:fillRect/>
+          </a:stretch>
+        </p:blipFill>
+        <p:spPr>
+          <a:xfrm>
+            <a:off x="6046348" y="2514600"/>
+            <a:ext cx="4673918" cy="4064277"/>
+          </a:xfrm>
+          <a:prstGeom prst="rect">
+            <a:avLst/>
+          </a:prstGeom>
+        </p:spPr>
+      </p:pic>
+    </p:spTree>
+    <p:extLst>
+      <p:ext uri="{BB962C8B-B14F-4D97-AF65-F5344CB8AC3E}">
+        <p14:creationId xmlns:p14="http://schemas.microsoft.com/office/powerpoint/2010/main" val="3523899906"/>
+      </p:ext>
+    </p:extLst>
+  </p:cSld>
+  <p:clrMapOvr>
+    <a:masterClrMapping/>
+  </p:clrMapOvr>
+  <mc:AlternateContent xmlns:mc="http://schemas.openxmlformats.org/markup-compatibility/2006" xmlns:p14="http://schemas.microsoft.com/office/powerpoint/2010/main">
+    <mc:Choice Requires="p14">
+      <p:transition p14:dur="0"/>
+    </mc:Choice>
+    <mc:Fallback xmlns="">
       <p:transition/>
     </mc:Fallback>
   </mc:AlternateContent>
@@ -11003,11 +11602,11 @@
   <p:clrMapOvr>
     <a:masterClrMapping/>
   </p:clrMapOvr>
-  <mc:AlternateContent xmlns:mc="http://schemas.openxmlformats.org/markup-compatibility/2006">
-    <mc:Choice xmlns:p14="http://schemas.microsoft.com/office/powerpoint/2010/main" Requires="p14">
+  <mc:AlternateContent xmlns:mc="http://schemas.openxmlformats.org/markup-compatibility/2006" xmlns:p14="http://schemas.microsoft.com/office/powerpoint/2010/main">
+    <mc:Choice Requires="p14">
       <p:transition p14:dur="0"/>
     </mc:Choice>
-    <mc:Fallback>
+    <mc:Fallback xmlns="">
       <p:transition/>
     </mc:Fallback>
   </mc:AlternateContent>
@@ -11144,11 +11743,11 @@
   <p:clrMapOvr>
     <a:masterClrMapping/>
   </p:clrMapOvr>
-  <mc:AlternateContent xmlns:mc="http://schemas.openxmlformats.org/markup-compatibility/2006">
-    <mc:Choice xmlns:p14="http://schemas.microsoft.com/office/powerpoint/2010/main" Requires="p14">
+  <mc:AlternateContent xmlns:mc="http://schemas.openxmlformats.org/markup-compatibility/2006" xmlns:p14="http://schemas.microsoft.com/office/powerpoint/2010/main">
+    <mc:Choice Requires="p14">
       <p:transition p14:dur="0"/>
     </mc:Choice>
-    <mc:Fallback>
+    <mc:Fallback xmlns="">
       <p:transition/>
     </mc:Fallback>
   </mc:AlternateContent>
@@ -11299,11 +11898,11 @@
   <p:clrMapOvr>
     <a:masterClrMapping/>
   </p:clrMapOvr>
-  <mc:AlternateContent xmlns:mc="http://schemas.openxmlformats.org/markup-compatibility/2006">
-    <mc:Choice xmlns:p14="http://schemas.microsoft.com/office/powerpoint/2010/main" Requires="p14">
+  <mc:AlternateContent xmlns:mc="http://schemas.openxmlformats.org/markup-compatibility/2006" xmlns:p14="http://schemas.microsoft.com/office/powerpoint/2010/main">
+    <mc:Choice Requires="p14">
       <p:transition p14:dur="0"/>
     </mc:Choice>
-    <mc:Fallback>
+    <mc:Fallback xmlns="">
       <p:transition/>
     </mc:Fallback>
   </mc:AlternateContent>
@@ -11489,11 +12088,11 @@
   <p:clrMapOvr>
     <a:masterClrMapping/>
   </p:clrMapOvr>
-  <mc:AlternateContent xmlns:mc="http://schemas.openxmlformats.org/markup-compatibility/2006">
-    <mc:Choice xmlns:p14="http://schemas.microsoft.com/office/powerpoint/2010/main" Requires="p14">
+  <mc:AlternateContent xmlns:mc="http://schemas.openxmlformats.org/markup-compatibility/2006" xmlns:p14="http://schemas.microsoft.com/office/powerpoint/2010/main">
+    <mc:Choice Requires="p14">
       <p:transition p14:dur="0"/>
     </mc:Choice>
-    <mc:Fallback>
+    <mc:Fallback xmlns="">
       <p:transition/>
     </mc:Fallback>
   </mc:AlternateContent>
@@ -12105,9 +12704,6 @@
               </a:rPr>
               <a:t>	&gt;Detect obstacle movement direction</a:t>
             </a:r>
-            <a:endParaRPr lang="en-US" sz="4000" dirty="0" smtClean="0">
-              <a:effectLst/>
-            </a:endParaRPr>
           </a:p>
         </p:txBody>
       </p:sp>
@@ -12121,11 +12717,11 @@
   <p:clrMapOvr>
     <a:masterClrMapping/>
   </p:clrMapOvr>
-  <mc:AlternateContent xmlns:mc="http://schemas.openxmlformats.org/markup-compatibility/2006">
-    <mc:Choice xmlns:p14="http://schemas.microsoft.com/office/powerpoint/2010/main" Requires="p14">
+  <mc:AlternateContent xmlns:mc="http://schemas.openxmlformats.org/markup-compatibility/2006" xmlns:p14="http://schemas.microsoft.com/office/powerpoint/2010/main">
+    <mc:Choice Requires="p14">
       <p:transition p14:dur="0"/>
     </mc:Choice>
-    <mc:Fallback>
+    <mc:Fallback xmlns="">
       <p:transition/>
     </mc:Fallback>
   </mc:AlternateContent>
@@ -12294,11 +12890,11 @@
   <p:clrMapOvr>
     <a:masterClrMapping/>
   </p:clrMapOvr>
-  <mc:AlternateContent xmlns:mc="http://schemas.openxmlformats.org/markup-compatibility/2006">
-    <mc:Choice xmlns:p14="http://schemas.microsoft.com/office/powerpoint/2010/main" Requires="p14">
+  <mc:AlternateContent xmlns:mc="http://schemas.openxmlformats.org/markup-compatibility/2006" xmlns:p14="http://schemas.microsoft.com/office/powerpoint/2010/main">
+    <mc:Choice Requires="p14">
       <p:transition p14:dur="0"/>
     </mc:Choice>
-    <mc:Fallback>
+    <mc:Fallback xmlns="">
       <p:transition/>
     </mc:Fallback>
   </mc:AlternateContent>
